--- a/1. Capa de red/TCP/Semana 2.pptx
+++ b/1. Capa de red/TCP/Semana 2.pptx
@@ -31,15 +31,19 @@
     <p:sldId id="313" r:id="rId25"/>
     <p:sldId id="316" r:id="rId26"/>
     <p:sldId id="317" r:id="rId27"/>
-    <p:sldId id="293" r:id="rId28"/>
-    <p:sldId id="273" r:id="rId29"/>
-    <p:sldId id="287" r:id="rId30"/>
-    <p:sldId id="274" r:id="rId31"/>
-    <p:sldId id="292" r:id="rId32"/>
-    <p:sldId id="288" r:id="rId33"/>
-    <p:sldId id="289" r:id="rId34"/>
-    <p:sldId id="277" r:id="rId35"/>
-    <p:sldId id="278" r:id="rId36"/>
+    <p:sldId id="318" r:id="rId28"/>
+    <p:sldId id="319" r:id="rId29"/>
+    <p:sldId id="320" r:id="rId30"/>
+    <p:sldId id="321" r:id="rId31"/>
+    <p:sldId id="293" r:id="rId32"/>
+    <p:sldId id="273" r:id="rId33"/>
+    <p:sldId id="287" r:id="rId34"/>
+    <p:sldId id="274" r:id="rId35"/>
+    <p:sldId id="292" r:id="rId36"/>
+    <p:sldId id="288" r:id="rId37"/>
+    <p:sldId id="289" r:id="rId38"/>
+    <p:sldId id="277" r:id="rId39"/>
+    <p:sldId id="278" r:id="rId40"/>
   </p:sldIdLst>
   <p:sldSz cx="12192000" cy="6858000"/>
   <p:notesSz cx="6858000" cy="9144000"/>
@@ -372,7 +376,7 @@
           <a:p>
             <a:fld id="{AAE5428F-4F43-4132-90EE-793D4105280B}" type="datetimeFigureOut">
               <a:rPr lang="es-CO" smtClean="0"/>
-              <a:t>9/08/23</a:t>
+              <a:t>11/08/23</a:t>
             </a:fld>
             <a:endParaRPr lang="es-CO"/>
           </a:p>
@@ -580,7 +584,7 @@
           <a:p>
             <a:fld id="{AAE5428F-4F43-4132-90EE-793D4105280B}" type="datetimeFigureOut">
               <a:rPr lang="es-CO" smtClean="0"/>
-              <a:t>9/08/23</a:t>
+              <a:t>11/08/23</a:t>
             </a:fld>
             <a:endParaRPr lang="es-CO"/>
           </a:p>
@@ -836,7 +840,7 @@
           <a:p>
             <a:fld id="{AAE5428F-4F43-4132-90EE-793D4105280B}" type="datetimeFigureOut">
               <a:rPr lang="es-CO" smtClean="0"/>
-              <a:t>9/08/23</a:t>
+              <a:t>11/08/23</a:t>
             </a:fld>
             <a:endParaRPr lang="es-CO"/>
           </a:p>
@@ -1006,7 +1010,7 @@
           <a:p>
             <a:fld id="{AAE5428F-4F43-4132-90EE-793D4105280B}" type="datetimeFigureOut">
               <a:rPr lang="es-CO" smtClean="0"/>
-              <a:t>9/08/23</a:t>
+              <a:t>11/08/23</a:t>
             </a:fld>
             <a:endParaRPr lang="es-CO"/>
           </a:p>
@@ -1349,7 +1353,7 @@
           <a:p>
             <a:fld id="{AAE5428F-4F43-4132-90EE-793D4105280B}" type="datetimeFigureOut">
               <a:rPr lang="es-CO" smtClean="0"/>
-              <a:t>9/08/23</a:t>
+              <a:t>11/08/23</a:t>
             </a:fld>
             <a:endParaRPr lang="es-CO"/>
           </a:p>
@@ -1624,7 +1628,7 @@
           <a:p>
             <a:fld id="{AAE5428F-4F43-4132-90EE-793D4105280B}" type="datetimeFigureOut">
               <a:rPr lang="es-CO" smtClean="0"/>
-              <a:t>9/08/23</a:t>
+              <a:t>11/08/23</a:t>
             </a:fld>
             <a:endParaRPr lang="es-CO"/>
           </a:p>
@@ -2003,7 +2007,7 @@
           <a:p>
             <a:fld id="{AAE5428F-4F43-4132-90EE-793D4105280B}" type="datetimeFigureOut">
               <a:rPr lang="es-CO" smtClean="0"/>
-              <a:t>9/08/23</a:t>
+              <a:t>11/08/23</a:t>
             </a:fld>
             <a:endParaRPr lang="es-CO"/>
           </a:p>
@@ -2121,7 +2125,7 @@
           <a:p>
             <a:fld id="{AAE5428F-4F43-4132-90EE-793D4105280B}" type="datetimeFigureOut">
               <a:rPr lang="es-CO" smtClean="0"/>
-              <a:t>9/08/23</a:t>
+              <a:t>11/08/23</a:t>
             </a:fld>
             <a:endParaRPr lang="es-CO"/>
           </a:p>
@@ -2292,7 +2296,7 @@
           <a:p>
             <a:fld id="{AAE5428F-4F43-4132-90EE-793D4105280B}" type="datetimeFigureOut">
               <a:rPr lang="es-CO" smtClean="0"/>
-              <a:t>9/08/23</a:t>
+              <a:t>11/08/23</a:t>
             </a:fld>
             <a:endParaRPr lang="es-CO"/>
           </a:p>
@@ -2646,7 +2650,7 @@
           <a:p>
             <a:fld id="{AAE5428F-4F43-4132-90EE-793D4105280B}" type="datetimeFigureOut">
               <a:rPr lang="es-CO" smtClean="0"/>
-              <a:t>9/08/23</a:t>
+              <a:t>11/08/23</a:t>
             </a:fld>
             <a:endParaRPr lang="es-CO"/>
           </a:p>
@@ -3023,7 +3027,7 @@
           <a:p>
             <a:fld id="{AAE5428F-4F43-4132-90EE-793D4105280B}" type="datetimeFigureOut">
               <a:rPr lang="es-CO" smtClean="0"/>
-              <a:t>9/08/23</a:t>
+              <a:t>11/08/23</a:t>
             </a:fld>
             <a:endParaRPr lang="es-CO"/>
           </a:p>
@@ -3310,7 +3314,7 @@
           <a:p>
             <a:fld id="{AAE5428F-4F43-4132-90EE-793D4105280B}" type="datetimeFigureOut">
               <a:rPr lang="es-CO" smtClean="0"/>
-              <a:t>9/08/23</a:t>
+              <a:t>11/08/23</a:t>
             </a:fld>
             <a:endParaRPr lang="es-CO"/>
           </a:p>
@@ -3850,8 +3854,8 @@
           <a:lstStyle/>
           <a:p>
             <a:r>
-              <a:rPr lang="es-ES"/>
-              <a:t>Semana 1</a:t>
+              <a:rPr lang="es-ES" dirty="0"/>
+              <a:t>Semana 2</a:t>
             </a:r>
             <a:endParaRPr lang="es-CO" dirty="0"/>
           </a:p>
@@ -25248,7 +25252,7 @@
           <a:p>
             <a:r>
               <a:rPr lang="en-CO" dirty="0"/>
-              <a:t>RED DOMÉSTICA</a:t>
+              <a:t>MULTICLIENTE</a:t>
             </a:r>
           </a:p>
         </p:txBody>
@@ -25281,7 +25285,7 @@
     </p:spTree>
     <p:extLst>
       <p:ext uri="{BB962C8B-B14F-4D97-AF65-F5344CB8AC3E}">
-        <p14:creationId xmlns:p14="http://schemas.microsoft.com/office/powerpoint/2010/main" val="3304760042"/>
+        <p14:creationId xmlns:p14="http://schemas.microsoft.com/office/powerpoint/2010/main" val="3487864260"/>
       </p:ext>
     </p:extLst>
   </p:cSld>
@@ -25324,8 +25328,74 @@
           <a:lstStyle/>
           <a:p>
             <a:r>
+              <a:rPr lang="en-US" b="1" i="0" dirty="0">
+                <a:effectLst/>
+                <a:latin typeface="Söhne"/>
+              </a:rPr>
+              <a:t>Fin de </a:t>
+            </a:r>
+            <a:r>
+              <a:rPr lang="en-US" b="1" i="0" dirty="0" err="1">
+                <a:effectLst/>
+                <a:latin typeface="Söhne"/>
+              </a:rPr>
+              <a:t>transmisión</a:t>
+            </a:r>
+            <a:endParaRPr lang="es-CO" dirty="0">
+              <a:solidFill>
+                <a:schemeClr val="tx1"/>
+              </a:solidFill>
+            </a:endParaRPr>
+          </a:p>
+        </p:txBody>
+      </p:sp>
+      <p:sp>
+        <p:nvSpPr>
+          <p:cNvPr id="11" name="Rectángulo 10"/>
+          <p:cNvSpPr/>
+          <p:nvPr/>
+        </p:nvSpPr>
+        <p:spPr>
+          <a:xfrm>
+            <a:off x="9447324" y="5582111"/>
+            <a:ext cx="1708356" cy="594852"/>
+          </a:xfrm>
+          <a:prstGeom prst="rect">
+            <a:avLst/>
+          </a:prstGeom>
+          <a:solidFill>
+            <a:schemeClr val="bg1">
+              <a:lumMod val="50000"/>
+            </a:schemeClr>
+          </a:solidFill>
+          <a:ln>
+            <a:noFill/>
+          </a:ln>
+        </p:spPr>
+        <p:style>
+          <a:lnRef idx="2">
+            <a:schemeClr val="accent1">
+              <a:shade val="50000"/>
+            </a:schemeClr>
+          </a:lnRef>
+          <a:fillRef idx="1">
+            <a:schemeClr val="accent1"/>
+          </a:fillRef>
+          <a:effectRef idx="0">
+            <a:schemeClr val="accent1"/>
+          </a:effectRef>
+          <a:fontRef idx="minor">
+            <a:schemeClr val="lt1"/>
+          </a:fontRef>
+        </p:style>
+        <p:txBody>
+          <a:bodyPr rtlCol="0" anchor="ctr"/>
+          <a:lstStyle/>
+          <a:p>
+            <a:pPr algn="ctr"/>
+            <a:r>
               <a:rPr lang="es-ES" dirty="0"/>
-              <a:t>¿Cuál es la dirección de subred?</a:t>
+              <a:t>Físico</a:t>
             </a:r>
             <a:endParaRPr lang="es-CO" dirty="0"/>
           </a:p>
@@ -25333,18 +25403,26 @@
       </p:sp>
       <p:sp>
         <p:nvSpPr>
-          <p:cNvPr id="5" name="Rectángulo 4"/>
-          <p:cNvSpPr/>
-          <p:nvPr/>
-        </p:nvSpPr>
-        <p:spPr>
-          <a:xfrm>
-            <a:off x="5313145" y="2685448"/>
-            <a:ext cx="760396" cy="760396"/>
+          <p:cNvPr id="12" name="Rectángulo 11"/>
+          <p:cNvSpPr/>
+          <p:nvPr/>
+        </p:nvSpPr>
+        <p:spPr>
+          <a:xfrm>
+            <a:off x="9447324" y="4972102"/>
+            <a:ext cx="1708356" cy="594852"/>
           </a:xfrm>
           <a:prstGeom prst="rect">
             <a:avLst/>
           </a:prstGeom>
+          <a:solidFill>
+            <a:schemeClr val="bg1">
+              <a:lumMod val="50000"/>
+            </a:schemeClr>
+          </a:solidFill>
+          <a:ln>
+            <a:noFill/>
+          </a:ln>
         </p:spPr>
         <p:style>
           <a:lnRef idx="2">
@@ -25369,7 +25447,7 @@
             <a:pPr algn="ctr"/>
             <a:r>
               <a:rPr lang="es-ES" dirty="0"/>
-              <a:t>PC1</a:t>
+              <a:t>Enlace de datos</a:t>
             </a:r>
             <a:endParaRPr lang="es-CO" dirty="0"/>
           </a:p>
@@ -25377,18 +25455,78 @@
       </p:sp>
       <p:sp>
         <p:nvSpPr>
+          <p:cNvPr id="15" name="Rectángulo 14"/>
+          <p:cNvSpPr/>
+          <p:nvPr/>
+        </p:nvSpPr>
+        <p:spPr>
+          <a:xfrm>
+            <a:off x="9447324" y="3142075"/>
+            <a:ext cx="1708356" cy="594852"/>
+          </a:xfrm>
+          <a:prstGeom prst="rect">
+            <a:avLst/>
+          </a:prstGeom>
+          <a:solidFill>
+            <a:schemeClr val="bg1">
+              <a:lumMod val="85000"/>
+            </a:schemeClr>
+          </a:solidFill>
+          <a:ln>
+            <a:noFill/>
+          </a:ln>
+        </p:spPr>
+        <p:style>
+          <a:lnRef idx="2">
+            <a:schemeClr val="accent1">
+              <a:shade val="50000"/>
+            </a:schemeClr>
+          </a:lnRef>
+          <a:fillRef idx="1">
+            <a:schemeClr val="accent1"/>
+          </a:fillRef>
+          <a:effectRef idx="0">
+            <a:schemeClr val="accent1"/>
+          </a:effectRef>
+          <a:fontRef idx="minor">
+            <a:schemeClr val="lt1"/>
+          </a:fontRef>
+        </p:style>
+        <p:txBody>
+          <a:bodyPr rtlCol="0" anchor="ctr"/>
+          <a:lstStyle/>
+          <a:p>
+            <a:pPr algn="ctr"/>
+            <a:r>
+              <a:rPr lang="es-ES" dirty="0"/>
+              <a:t>Sesión</a:t>
+            </a:r>
+            <a:endParaRPr lang="es-CO" dirty="0"/>
+          </a:p>
+        </p:txBody>
+      </p:sp>
+      <p:sp>
+        <p:nvSpPr>
           <p:cNvPr id="16" name="Rectángulo 15"/>
           <p:cNvSpPr/>
           <p:nvPr/>
         </p:nvSpPr>
         <p:spPr>
           <a:xfrm>
-            <a:off x="5313145" y="3595034"/>
-            <a:ext cx="760396" cy="760396"/>
+            <a:off x="9447324" y="2532066"/>
+            <a:ext cx="1708356" cy="594852"/>
           </a:xfrm>
           <a:prstGeom prst="rect">
             <a:avLst/>
           </a:prstGeom>
+          <a:solidFill>
+            <a:schemeClr val="bg1">
+              <a:lumMod val="85000"/>
+            </a:schemeClr>
+          </a:solidFill>
+          <a:ln>
+            <a:noFill/>
+          </a:ln>
         </p:spPr>
         <p:style>
           <a:lnRef idx="2">
@@ -25413,7 +25551,7 @@
             <a:pPr algn="ctr"/>
             <a:r>
               <a:rPr lang="es-ES" dirty="0"/>
-              <a:t>PC3</a:t>
+              <a:t>Presentación</a:t>
             </a:r>
             <a:endParaRPr lang="es-CO" dirty="0"/>
           </a:p>
@@ -25427,12 +25565,20 @@
         </p:nvSpPr>
         <p:spPr>
           <a:xfrm>
-            <a:off x="5313145" y="4533495"/>
-            <a:ext cx="760396" cy="760396"/>
+            <a:off x="9447324" y="1922057"/>
+            <a:ext cx="1708356" cy="594852"/>
           </a:xfrm>
           <a:prstGeom prst="rect">
             <a:avLst/>
           </a:prstGeom>
+          <a:solidFill>
+            <a:schemeClr val="bg1">
+              <a:lumMod val="85000"/>
+            </a:schemeClr>
+          </a:solidFill>
+          <a:ln>
+            <a:noFill/>
+          </a:ln>
         </p:spPr>
         <p:style>
           <a:lnRef idx="2">
@@ -25457,7 +25603,7 @@
             <a:pPr algn="ctr"/>
             <a:r>
               <a:rPr lang="es-ES" dirty="0"/>
-              <a:t>PC5</a:t>
+              <a:t>Aplicación</a:t>
             </a:r>
             <a:endParaRPr lang="es-CO" dirty="0"/>
           </a:p>
@@ -25465,18 +25611,30 @@
       </p:sp>
       <p:sp>
         <p:nvSpPr>
-          <p:cNvPr id="19" name="Rectángulo 18"/>
-          <p:cNvSpPr/>
-          <p:nvPr/>
-        </p:nvSpPr>
-        <p:spPr>
-          <a:xfrm>
-            <a:off x="6293318" y="2685448"/>
-            <a:ext cx="760396" cy="760396"/>
+          <p:cNvPr id="4" name="Rectángulo 12">
+            <a:extLst>
+              <a:ext uri="{FF2B5EF4-FFF2-40B4-BE49-F238E27FC236}">
+                <a16:creationId xmlns:a16="http://schemas.microsoft.com/office/drawing/2014/main" id="{7B13C19D-D9F1-A35C-32A8-34439689DD31}"/>
+              </a:ext>
+            </a:extLst>
+          </p:cNvPr>
+          <p:cNvSpPr/>
+          <p:nvPr/>
+        </p:nvSpPr>
+        <p:spPr>
+          <a:xfrm>
+            <a:off x="9447324" y="3752084"/>
+            <a:ext cx="1708356" cy="594852"/>
           </a:xfrm>
           <a:prstGeom prst="rect">
             <a:avLst/>
           </a:prstGeom>
+          <a:solidFill>
+            <a:srgbClr val="7030A0"/>
+          </a:solidFill>
+          <a:ln>
+            <a:noFill/>
+          </a:ln>
         </p:spPr>
         <p:style>
           <a:lnRef idx="2">
@@ -25501,7 +25659,7 @@
             <a:pPr algn="ctr"/>
             <a:r>
               <a:rPr lang="es-ES" dirty="0"/>
-              <a:t>PC2</a:t>
+              <a:t>TCP</a:t>
             </a:r>
             <a:endParaRPr lang="es-CO" dirty="0"/>
           </a:p>
@@ -25509,18 +25667,32 @@
       </p:sp>
       <p:sp>
         <p:nvSpPr>
-          <p:cNvPr id="20" name="Rectángulo 19"/>
-          <p:cNvSpPr/>
-          <p:nvPr/>
-        </p:nvSpPr>
-        <p:spPr>
-          <a:xfrm>
-            <a:off x="6293318" y="3595034"/>
-            <a:ext cx="760396" cy="760396"/>
+          <p:cNvPr id="5" name="Rectángulo 11">
+            <a:extLst>
+              <a:ext uri="{FF2B5EF4-FFF2-40B4-BE49-F238E27FC236}">
+                <a16:creationId xmlns:a16="http://schemas.microsoft.com/office/drawing/2014/main" id="{9051BDAA-8344-F050-E1C5-BE3486DC0CFE}"/>
+              </a:ext>
+            </a:extLst>
+          </p:cNvPr>
+          <p:cNvSpPr/>
+          <p:nvPr/>
+        </p:nvSpPr>
+        <p:spPr>
+          <a:xfrm>
+            <a:off x="9447324" y="4362093"/>
+            <a:ext cx="1708356" cy="594852"/>
           </a:xfrm>
           <a:prstGeom prst="rect">
             <a:avLst/>
           </a:prstGeom>
+          <a:solidFill>
+            <a:schemeClr val="bg1">
+              <a:lumMod val="50000"/>
+            </a:schemeClr>
+          </a:solidFill>
+          <a:ln>
+            <a:noFill/>
+          </a:ln>
         </p:spPr>
         <p:style>
           <a:lnRef idx="2">
@@ -25545,7 +25717,7 @@
             <a:pPr algn="ctr"/>
             <a:r>
               <a:rPr lang="es-ES" dirty="0"/>
-              <a:t>PC4</a:t>
+              <a:t>Red</a:t>
             </a:r>
             <a:endParaRPr lang="es-CO" dirty="0"/>
           </a:p>
@@ -25553,14 +25725,20 @@
       </p:sp>
       <p:sp>
         <p:nvSpPr>
-          <p:cNvPr id="22" name="Rectángulo 21"/>
-          <p:cNvSpPr/>
-          <p:nvPr/>
-        </p:nvSpPr>
-        <p:spPr>
-          <a:xfrm>
-            <a:off x="6293318" y="4533495"/>
-            <a:ext cx="760396" cy="760396"/>
+          <p:cNvPr id="6" name="Rectangle 5">
+            <a:extLst>
+              <a:ext uri="{FF2B5EF4-FFF2-40B4-BE49-F238E27FC236}">
+                <a16:creationId xmlns:a16="http://schemas.microsoft.com/office/drawing/2014/main" id="{7FFD7916-60A5-7DCC-7784-BD0A0E9A0284}"/>
+              </a:ext>
+            </a:extLst>
+          </p:cNvPr>
+          <p:cNvSpPr/>
+          <p:nvPr/>
+        </p:nvSpPr>
+        <p:spPr>
+          <a:xfrm>
+            <a:off x="1024734" y="2068442"/>
+            <a:ext cx="1926771" cy="594852"/>
           </a:xfrm>
           <a:prstGeom prst="rect">
             <a:avLst/>
@@ -25588,23 +25766,198 @@
           <a:p>
             <a:pPr algn="ctr"/>
             <a:r>
-              <a:rPr lang="es-ES" dirty="0"/>
-              <a:t>PC6</a:t>
-            </a:r>
-            <a:endParaRPr lang="es-CO" dirty="0"/>
-          </a:p>
-        </p:txBody>
-      </p:sp>
-      <p:sp>
-        <p:nvSpPr>
-          <p:cNvPr id="7" name="CuadroTexto 6"/>
+              <a:rPr lang="en-CO" dirty="0"/>
+              <a:t>Cliente</a:t>
+            </a:r>
+          </a:p>
+        </p:txBody>
+      </p:sp>
+      <p:sp>
+        <p:nvSpPr>
+          <p:cNvPr id="7" name="Rectangle 6">
+            <a:extLst>
+              <a:ext uri="{FF2B5EF4-FFF2-40B4-BE49-F238E27FC236}">
+                <a16:creationId xmlns:a16="http://schemas.microsoft.com/office/drawing/2014/main" id="{B6E34B29-1CBB-A518-120F-1E5A1CD6B7D1}"/>
+              </a:ext>
+            </a:extLst>
+          </p:cNvPr>
+          <p:cNvSpPr/>
+          <p:nvPr/>
+        </p:nvSpPr>
+        <p:spPr>
+          <a:xfrm>
+            <a:off x="5845629" y="2068442"/>
+            <a:ext cx="1926771" cy="594852"/>
+          </a:xfrm>
+          <a:prstGeom prst="rect">
+            <a:avLst/>
+          </a:prstGeom>
+        </p:spPr>
+        <p:style>
+          <a:lnRef idx="2">
+            <a:schemeClr val="accent1">
+              <a:shade val="50000"/>
+            </a:schemeClr>
+          </a:lnRef>
+          <a:fillRef idx="1">
+            <a:schemeClr val="accent1"/>
+          </a:fillRef>
+          <a:effectRef idx="0">
+            <a:schemeClr val="accent1"/>
+          </a:effectRef>
+          <a:fontRef idx="minor">
+            <a:schemeClr val="lt1"/>
+          </a:fontRef>
+        </p:style>
+        <p:txBody>
+          <a:bodyPr rtlCol="0" anchor="ctr"/>
+          <a:lstStyle/>
+          <a:p>
+            <a:pPr algn="ctr"/>
+            <a:r>
+              <a:rPr lang="en-CO" dirty="0"/>
+              <a:t>Servidor</a:t>
+            </a:r>
+          </a:p>
+        </p:txBody>
+      </p:sp>
+      <p:cxnSp>
+        <p:nvCxnSpPr>
+          <p:cNvPr id="9" name="Straight Connector 8">
+            <a:extLst>
+              <a:ext uri="{FF2B5EF4-FFF2-40B4-BE49-F238E27FC236}">
+                <a16:creationId xmlns:a16="http://schemas.microsoft.com/office/drawing/2014/main" id="{71BA7974-2006-5FD6-D0EA-7982D075C4A8}"/>
+              </a:ext>
+            </a:extLst>
+          </p:cNvPr>
+          <p:cNvCxnSpPr>
+            <a:cxnSpLocks/>
+            <a:stCxn id="6" idx="2"/>
+          </p:cNvCxnSpPr>
+          <p:nvPr/>
+        </p:nvCxnSpPr>
+        <p:spPr>
+          <a:xfrm>
+            <a:off x="1988120" y="2663294"/>
+            <a:ext cx="9173" cy="2308672"/>
+          </a:xfrm>
+          <a:prstGeom prst="line">
+            <a:avLst/>
+          </a:prstGeom>
+        </p:spPr>
+        <p:style>
+          <a:lnRef idx="1">
+            <a:schemeClr val="accent1"/>
+          </a:lnRef>
+          <a:fillRef idx="0">
+            <a:schemeClr val="accent1"/>
+          </a:fillRef>
+          <a:effectRef idx="0">
+            <a:schemeClr val="accent1"/>
+          </a:effectRef>
+          <a:fontRef idx="minor">
+            <a:schemeClr val="tx1"/>
+          </a:fontRef>
+        </p:style>
+      </p:cxnSp>
+      <p:cxnSp>
+        <p:nvCxnSpPr>
+          <p:cNvPr id="10" name="Straight Connector 9">
+            <a:extLst>
+              <a:ext uri="{FF2B5EF4-FFF2-40B4-BE49-F238E27FC236}">
+                <a16:creationId xmlns:a16="http://schemas.microsoft.com/office/drawing/2014/main" id="{CF711FC5-5577-42BC-305E-941882512248}"/>
+              </a:ext>
+            </a:extLst>
+          </p:cNvPr>
+          <p:cNvCxnSpPr>
+            <a:cxnSpLocks/>
+          </p:cNvCxnSpPr>
+          <p:nvPr/>
+        </p:nvCxnSpPr>
+        <p:spPr>
+          <a:xfrm flipH="1">
+            <a:off x="6809014" y="2532066"/>
+            <a:ext cx="1" cy="2424879"/>
+          </a:xfrm>
+          <a:prstGeom prst="line">
+            <a:avLst/>
+          </a:prstGeom>
+        </p:spPr>
+        <p:style>
+          <a:lnRef idx="1">
+            <a:schemeClr val="accent1"/>
+          </a:lnRef>
+          <a:fillRef idx="0">
+            <a:schemeClr val="accent1"/>
+          </a:fillRef>
+          <a:effectRef idx="0">
+            <a:schemeClr val="accent1"/>
+          </a:effectRef>
+          <a:fontRef idx="minor">
+            <a:schemeClr val="tx1"/>
+          </a:fontRef>
+        </p:style>
+      </p:cxnSp>
+      <p:cxnSp>
+        <p:nvCxnSpPr>
+          <p:cNvPr id="20" name="Straight Arrow Connector 19">
+            <a:extLst>
+              <a:ext uri="{FF2B5EF4-FFF2-40B4-BE49-F238E27FC236}">
+                <a16:creationId xmlns:a16="http://schemas.microsoft.com/office/drawing/2014/main" id="{B25C4458-CBF0-5E06-787F-4892B74A31E6}"/>
+              </a:ext>
+            </a:extLst>
+          </p:cNvPr>
+          <p:cNvCxnSpPr>
+            <a:cxnSpLocks/>
+          </p:cNvCxnSpPr>
+          <p:nvPr/>
+        </p:nvCxnSpPr>
+        <p:spPr>
+          <a:xfrm>
+            <a:off x="1988119" y="3403755"/>
+            <a:ext cx="4820895" cy="0"/>
+          </a:xfrm>
+          <a:prstGeom prst="straightConnector1">
+            <a:avLst/>
+          </a:prstGeom>
+          <a:ln>
+            <a:solidFill>
+              <a:schemeClr val="tx1"/>
+            </a:solidFill>
+            <a:tailEnd type="triangle"/>
+          </a:ln>
+        </p:spPr>
+        <p:style>
+          <a:lnRef idx="1">
+            <a:schemeClr val="accent1"/>
+          </a:lnRef>
+          <a:fillRef idx="0">
+            <a:schemeClr val="accent1"/>
+          </a:fillRef>
+          <a:effectRef idx="0">
+            <a:schemeClr val="accent1"/>
+          </a:effectRef>
+          <a:fontRef idx="minor">
+            <a:schemeClr val="tx1"/>
+          </a:fontRef>
+        </p:style>
+      </p:cxnSp>
+      <p:sp>
+        <p:nvSpPr>
+          <p:cNvPr id="3" name="TextBox 2">
+            <a:extLst>
+              <a:ext uri="{FF2B5EF4-FFF2-40B4-BE49-F238E27FC236}">
+                <a16:creationId xmlns:a16="http://schemas.microsoft.com/office/drawing/2014/main" id="{228791E9-376B-A0AB-3333-6898E0B678D0}"/>
+              </a:ext>
+            </a:extLst>
+          </p:cNvPr>
           <p:cNvSpPr txBox="1"/>
           <p:nvPr/>
         </p:nvSpPr>
         <p:spPr>
           <a:xfrm>
-            <a:off x="7295949" y="2800952"/>
-            <a:ext cx="2213811" cy="375385"/>
+            <a:off x="3105323" y="2729608"/>
+            <a:ext cx="2329543" cy="646331"/>
           </a:xfrm>
           <a:prstGeom prst="rect">
             <a:avLst/>
@@ -25617,201 +25970,31 @@
           </a:bodyPr>
           <a:lstStyle/>
           <a:p>
-            <a:r>
-              <a:rPr lang="es-ES" dirty="0"/>
-              <a:t>192.168.200.56</a:t>
-            </a:r>
-            <a:endParaRPr lang="es-CO" dirty="0"/>
-          </a:p>
-        </p:txBody>
-      </p:sp>
-      <p:sp>
-        <p:nvSpPr>
-          <p:cNvPr id="23" name="CuadroTexto 22"/>
-          <p:cNvSpPr txBox="1"/>
-          <p:nvPr/>
-        </p:nvSpPr>
-        <p:spPr>
-          <a:xfrm>
-            <a:off x="7295949" y="3787539"/>
-            <a:ext cx="2213811" cy="375385"/>
-          </a:xfrm>
-          <a:prstGeom prst="rect">
-            <a:avLst/>
-          </a:prstGeom>
-          <a:noFill/>
-        </p:spPr>
-        <p:txBody>
-          <a:bodyPr wrap="square" rtlCol="0">
-            <a:spAutoFit/>
-          </a:bodyPr>
-          <a:lstStyle/>
-          <a:p>
-            <a:r>
-              <a:rPr lang="es-ES" dirty="0"/>
-              <a:t>192.168.200.18</a:t>
-            </a:r>
-            <a:endParaRPr lang="es-CO" dirty="0"/>
-          </a:p>
-        </p:txBody>
-      </p:sp>
-      <p:sp>
-        <p:nvSpPr>
-          <p:cNvPr id="25" name="CuadroTexto 24"/>
-          <p:cNvSpPr txBox="1"/>
-          <p:nvPr/>
-        </p:nvSpPr>
-        <p:spPr>
-          <a:xfrm>
-            <a:off x="7295949" y="4726000"/>
-            <a:ext cx="2213811" cy="375385"/>
-          </a:xfrm>
-          <a:prstGeom prst="rect">
-            <a:avLst/>
-          </a:prstGeom>
-          <a:noFill/>
-        </p:spPr>
-        <p:txBody>
-          <a:bodyPr wrap="square" rtlCol="0">
-            <a:spAutoFit/>
-          </a:bodyPr>
-          <a:lstStyle/>
-          <a:p>
-            <a:r>
-              <a:rPr lang="es-ES" dirty="0"/>
-              <a:t>192.168.200.15</a:t>
-            </a:r>
-            <a:endParaRPr lang="es-CO" dirty="0"/>
-          </a:p>
-        </p:txBody>
-      </p:sp>
-      <p:sp>
-        <p:nvSpPr>
-          <p:cNvPr id="26" name="CuadroTexto 25"/>
-          <p:cNvSpPr txBox="1"/>
-          <p:nvPr/>
-        </p:nvSpPr>
-        <p:spPr>
-          <a:xfrm>
-            <a:off x="2876349" y="2800952"/>
-            <a:ext cx="2213811" cy="375385"/>
-          </a:xfrm>
-          <a:prstGeom prst="rect">
-            <a:avLst/>
-          </a:prstGeom>
-          <a:noFill/>
-        </p:spPr>
-        <p:txBody>
-          <a:bodyPr wrap="square" rtlCol="0">
-            <a:spAutoFit/>
-          </a:bodyPr>
-          <a:lstStyle/>
-          <a:p>
-            <a:pPr algn="r"/>
-            <a:r>
-              <a:rPr lang="es-ES" dirty="0"/>
-              <a:t>192.168.200.53</a:t>
-            </a:r>
-            <a:endParaRPr lang="es-CO" dirty="0"/>
-          </a:p>
-        </p:txBody>
-      </p:sp>
-      <p:sp>
-        <p:nvSpPr>
-          <p:cNvPr id="28" name="CuadroTexto 27"/>
-          <p:cNvSpPr txBox="1"/>
-          <p:nvPr/>
-        </p:nvSpPr>
-        <p:spPr>
-          <a:xfrm>
-            <a:off x="2876349" y="3787539"/>
-            <a:ext cx="2213811" cy="375385"/>
-          </a:xfrm>
-          <a:prstGeom prst="rect">
-            <a:avLst/>
-          </a:prstGeom>
-          <a:noFill/>
-        </p:spPr>
-        <p:txBody>
-          <a:bodyPr wrap="square" rtlCol="0">
-            <a:spAutoFit/>
-          </a:bodyPr>
-          <a:lstStyle/>
-          <a:p>
-            <a:pPr algn="r"/>
-            <a:r>
-              <a:rPr lang="es-ES" dirty="0"/>
-              <a:t>192.168.200.25</a:t>
-            </a:r>
-            <a:endParaRPr lang="es-CO" dirty="0"/>
-          </a:p>
-        </p:txBody>
-      </p:sp>
-      <p:sp>
-        <p:nvSpPr>
-          <p:cNvPr id="29" name="CuadroTexto 28"/>
-          <p:cNvSpPr txBox="1"/>
-          <p:nvPr/>
-        </p:nvSpPr>
-        <p:spPr>
-          <a:xfrm>
-            <a:off x="2876349" y="4726000"/>
-            <a:ext cx="2213811" cy="375385"/>
-          </a:xfrm>
-          <a:prstGeom prst="rect">
-            <a:avLst/>
-          </a:prstGeom>
-          <a:noFill/>
-        </p:spPr>
-        <p:txBody>
-          <a:bodyPr wrap="square" rtlCol="0">
-            <a:spAutoFit/>
-          </a:bodyPr>
-          <a:lstStyle/>
-          <a:p>
-            <a:pPr algn="r"/>
-            <a:r>
-              <a:rPr lang="es-ES" dirty="0"/>
-              <a:t>192.168.200.115</a:t>
-            </a:r>
-            <a:endParaRPr lang="es-CO" dirty="0"/>
-          </a:p>
-        </p:txBody>
-      </p:sp>
-      <p:sp>
-        <p:nvSpPr>
-          <p:cNvPr id="30" name="CuadroTexto 29"/>
-          <p:cNvSpPr txBox="1"/>
-          <p:nvPr/>
-        </p:nvSpPr>
-        <p:spPr>
-          <a:xfrm>
-            <a:off x="5282665" y="1830487"/>
-            <a:ext cx="2213811" cy="646331"/>
-          </a:xfrm>
-          <a:prstGeom prst="rect">
-            <a:avLst/>
-          </a:prstGeom>
-          <a:noFill/>
-        </p:spPr>
-        <p:txBody>
-          <a:bodyPr wrap="square" rtlCol="0">
-            <a:spAutoFit/>
-          </a:bodyPr>
-          <a:lstStyle/>
-          <a:p>
-            <a:r>
-              <a:rPr lang="es-ES" dirty="0"/>
-              <a:t>Máscara: 255.255.255.0</a:t>
-            </a:r>
-            <a:endParaRPr lang="es-CO" dirty="0"/>
+            <a:pPr algn="ctr"/>
+            <a:r>
+              <a:rPr lang="en-CO" b="1" dirty="0">
+                <a:solidFill>
+                  <a:schemeClr val="tx2">
+                    <a:lumMod val="75000"/>
+                  </a:schemeClr>
+                </a:solidFill>
+              </a:rPr>
+              <a:t>Solicitud de conexión</a:t>
+            </a:r>
+          </a:p>
+          <a:p>
+            <a:pPr algn="ctr"/>
+            <a:r>
+              <a:rPr lang="en-CO" dirty="0"/>
+              <a:t>192.168.0.15:5000</a:t>
+            </a:r>
           </a:p>
         </p:txBody>
       </p:sp>
     </p:spTree>
     <p:extLst>
       <p:ext uri="{BB962C8B-B14F-4D97-AF65-F5344CB8AC3E}">
-        <p14:creationId xmlns:p14="http://schemas.microsoft.com/office/powerpoint/2010/main" val="68901941"/>
+        <p14:creationId xmlns:p14="http://schemas.microsoft.com/office/powerpoint/2010/main" val="1295073096"/>
       </p:ext>
     </p:extLst>
   </p:cSld>
@@ -25854,8 +26037,74 @@
           <a:lstStyle/>
           <a:p>
             <a:r>
+              <a:rPr lang="en-US" b="1" i="0" dirty="0">
+                <a:effectLst/>
+                <a:latin typeface="Söhne"/>
+              </a:rPr>
+              <a:t>Fin de </a:t>
+            </a:r>
+            <a:r>
+              <a:rPr lang="en-US" b="1" i="0" dirty="0" err="1">
+                <a:effectLst/>
+                <a:latin typeface="Söhne"/>
+              </a:rPr>
+              <a:t>transmisión</a:t>
+            </a:r>
+            <a:endParaRPr lang="es-CO" dirty="0">
+              <a:solidFill>
+                <a:schemeClr val="tx1"/>
+              </a:solidFill>
+            </a:endParaRPr>
+          </a:p>
+        </p:txBody>
+      </p:sp>
+      <p:sp>
+        <p:nvSpPr>
+          <p:cNvPr id="11" name="Rectángulo 10"/>
+          <p:cNvSpPr/>
+          <p:nvPr/>
+        </p:nvSpPr>
+        <p:spPr>
+          <a:xfrm>
+            <a:off x="9447324" y="5582111"/>
+            <a:ext cx="1708356" cy="594852"/>
+          </a:xfrm>
+          <a:prstGeom prst="rect">
+            <a:avLst/>
+          </a:prstGeom>
+          <a:solidFill>
+            <a:schemeClr val="bg1">
+              <a:lumMod val="50000"/>
+            </a:schemeClr>
+          </a:solidFill>
+          <a:ln>
+            <a:noFill/>
+          </a:ln>
+        </p:spPr>
+        <p:style>
+          <a:lnRef idx="2">
+            <a:schemeClr val="accent1">
+              <a:shade val="50000"/>
+            </a:schemeClr>
+          </a:lnRef>
+          <a:fillRef idx="1">
+            <a:schemeClr val="accent1"/>
+          </a:fillRef>
+          <a:effectRef idx="0">
+            <a:schemeClr val="accent1"/>
+          </a:effectRef>
+          <a:fontRef idx="minor">
+            <a:schemeClr val="lt1"/>
+          </a:fontRef>
+        </p:style>
+        <p:txBody>
+          <a:bodyPr rtlCol="0" anchor="ctr"/>
+          <a:lstStyle/>
+          <a:p>
+            <a:pPr algn="ctr"/>
+            <a:r>
               <a:rPr lang="es-ES" dirty="0"/>
-              <a:t>¿Cuál es la dirección de subred?</a:t>
+              <a:t>Físico</a:t>
             </a:r>
             <a:endParaRPr lang="es-CO" dirty="0"/>
           </a:p>
@@ -25863,18 +26112,26 @@
       </p:sp>
       <p:sp>
         <p:nvSpPr>
-          <p:cNvPr id="5" name="Rectángulo 4"/>
-          <p:cNvSpPr/>
-          <p:nvPr/>
-        </p:nvSpPr>
-        <p:spPr>
-          <a:xfrm>
-            <a:off x="5313145" y="2685448"/>
-            <a:ext cx="760396" cy="760396"/>
+          <p:cNvPr id="12" name="Rectángulo 11"/>
+          <p:cNvSpPr/>
+          <p:nvPr/>
+        </p:nvSpPr>
+        <p:spPr>
+          <a:xfrm>
+            <a:off x="9447324" y="4972102"/>
+            <a:ext cx="1708356" cy="594852"/>
           </a:xfrm>
           <a:prstGeom prst="rect">
             <a:avLst/>
           </a:prstGeom>
+          <a:solidFill>
+            <a:schemeClr val="bg1">
+              <a:lumMod val="50000"/>
+            </a:schemeClr>
+          </a:solidFill>
+          <a:ln>
+            <a:noFill/>
+          </a:ln>
         </p:spPr>
         <p:style>
           <a:lnRef idx="2">
@@ -25899,7 +26156,7 @@
             <a:pPr algn="ctr"/>
             <a:r>
               <a:rPr lang="es-ES" dirty="0"/>
-              <a:t>PC1</a:t>
+              <a:t>Enlace de datos</a:t>
             </a:r>
             <a:endParaRPr lang="es-CO" dirty="0"/>
           </a:p>
@@ -25907,18 +26164,78 @@
       </p:sp>
       <p:sp>
         <p:nvSpPr>
+          <p:cNvPr id="15" name="Rectángulo 14"/>
+          <p:cNvSpPr/>
+          <p:nvPr/>
+        </p:nvSpPr>
+        <p:spPr>
+          <a:xfrm>
+            <a:off x="9447324" y="3142075"/>
+            <a:ext cx="1708356" cy="594852"/>
+          </a:xfrm>
+          <a:prstGeom prst="rect">
+            <a:avLst/>
+          </a:prstGeom>
+          <a:solidFill>
+            <a:schemeClr val="bg1">
+              <a:lumMod val="85000"/>
+            </a:schemeClr>
+          </a:solidFill>
+          <a:ln>
+            <a:noFill/>
+          </a:ln>
+        </p:spPr>
+        <p:style>
+          <a:lnRef idx="2">
+            <a:schemeClr val="accent1">
+              <a:shade val="50000"/>
+            </a:schemeClr>
+          </a:lnRef>
+          <a:fillRef idx="1">
+            <a:schemeClr val="accent1"/>
+          </a:fillRef>
+          <a:effectRef idx="0">
+            <a:schemeClr val="accent1"/>
+          </a:effectRef>
+          <a:fontRef idx="minor">
+            <a:schemeClr val="lt1"/>
+          </a:fontRef>
+        </p:style>
+        <p:txBody>
+          <a:bodyPr rtlCol="0" anchor="ctr"/>
+          <a:lstStyle/>
+          <a:p>
+            <a:pPr algn="ctr"/>
+            <a:r>
+              <a:rPr lang="es-ES" dirty="0"/>
+              <a:t>Sesión</a:t>
+            </a:r>
+            <a:endParaRPr lang="es-CO" dirty="0"/>
+          </a:p>
+        </p:txBody>
+      </p:sp>
+      <p:sp>
+        <p:nvSpPr>
           <p:cNvPr id="16" name="Rectángulo 15"/>
           <p:cNvSpPr/>
           <p:nvPr/>
         </p:nvSpPr>
         <p:spPr>
           <a:xfrm>
-            <a:off x="5313145" y="3595034"/>
-            <a:ext cx="760396" cy="760396"/>
+            <a:off x="9447324" y="2532066"/>
+            <a:ext cx="1708356" cy="594852"/>
           </a:xfrm>
           <a:prstGeom prst="rect">
             <a:avLst/>
           </a:prstGeom>
+          <a:solidFill>
+            <a:schemeClr val="bg1">
+              <a:lumMod val="85000"/>
+            </a:schemeClr>
+          </a:solidFill>
+          <a:ln>
+            <a:noFill/>
+          </a:ln>
         </p:spPr>
         <p:style>
           <a:lnRef idx="2">
@@ -25943,7 +26260,7 @@
             <a:pPr algn="ctr"/>
             <a:r>
               <a:rPr lang="es-ES" dirty="0"/>
-              <a:t>PC3</a:t>
+              <a:t>Presentación</a:t>
             </a:r>
             <a:endParaRPr lang="es-CO" dirty="0"/>
           </a:p>
@@ -25957,12 +26274,20 @@
         </p:nvSpPr>
         <p:spPr>
           <a:xfrm>
-            <a:off x="5313145" y="4533495"/>
-            <a:ext cx="760396" cy="760396"/>
+            <a:off x="9447324" y="1922057"/>
+            <a:ext cx="1708356" cy="594852"/>
           </a:xfrm>
           <a:prstGeom prst="rect">
             <a:avLst/>
           </a:prstGeom>
+          <a:solidFill>
+            <a:schemeClr val="bg1">
+              <a:lumMod val="85000"/>
+            </a:schemeClr>
+          </a:solidFill>
+          <a:ln>
+            <a:noFill/>
+          </a:ln>
         </p:spPr>
         <p:style>
           <a:lnRef idx="2">
@@ -25987,7 +26312,7 @@
             <a:pPr algn="ctr"/>
             <a:r>
               <a:rPr lang="es-ES" dirty="0"/>
-              <a:t>PC5</a:t>
+              <a:t>Aplicación</a:t>
             </a:r>
             <a:endParaRPr lang="es-CO" dirty="0"/>
           </a:p>
@@ -25995,18 +26320,30 @@
       </p:sp>
       <p:sp>
         <p:nvSpPr>
-          <p:cNvPr id="19" name="Rectángulo 18"/>
-          <p:cNvSpPr/>
-          <p:nvPr/>
-        </p:nvSpPr>
-        <p:spPr>
-          <a:xfrm>
-            <a:off x="6293318" y="2685448"/>
-            <a:ext cx="760396" cy="760396"/>
+          <p:cNvPr id="4" name="Rectángulo 12">
+            <a:extLst>
+              <a:ext uri="{FF2B5EF4-FFF2-40B4-BE49-F238E27FC236}">
+                <a16:creationId xmlns:a16="http://schemas.microsoft.com/office/drawing/2014/main" id="{7B13C19D-D9F1-A35C-32A8-34439689DD31}"/>
+              </a:ext>
+            </a:extLst>
+          </p:cNvPr>
+          <p:cNvSpPr/>
+          <p:nvPr/>
+        </p:nvSpPr>
+        <p:spPr>
+          <a:xfrm>
+            <a:off x="9447324" y="3752084"/>
+            <a:ext cx="1708356" cy="594852"/>
           </a:xfrm>
           <a:prstGeom prst="rect">
             <a:avLst/>
           </a:prstGeom>
+          <a:solidFill>
+            <a:srgbClr val="7030A0"/>
+          </a:solidFill>
+          <a:ln>
+            <a:noFill/>
+          </a:ln>
         </p:spPr>
         <p:style>
           <a:lnRef idx="2">
@@ -26031,7 +26368,7 @@
             <a:pPr algn="ctr"/>
             <a:r>
               <a:rPr lang="es-ES" dirty="0"/>
-              <a:t>PC2</a:t>
+              <a:t>TCP</a:t>
             </a:r>
             <a:endParaRPr lang="es-CO" dirty="0"/>
           </a:p>
@@ -26039,18 +26376,32 @@
       </p:sp>
       <p:sp>
         <p:nvSpPr>
-          <p:cNvPr id="20" name="Rectángulo 19"/>
-          <p:cNvSpPr/>
-          <p:nvPr/>
-        </p:nvSpPr>
-        <p:spPr>
-          <a:xfrm>
-            <a:off x="6293318" y="3595034"/>
-            <a:ext cx="760396" cy="760396"/>
+          <p:cNvPr id="5" name="Rectángulo 11">
+            <a:extLst>
+              <a:ext uri="{FF2B5EF4-FFF2-40B4-BE49-F238E27FC236}">
+                <a16:creationId xmlns:a16="http://schemas.microsoft.com/office/drawing/2014/main" id="{9051BDAA-8344-F050-E1C5-BE3486DC0CFE}"/>
+              </a:ext>
+            </a:extLst>
+          </p:cNvPr>
+          <p:cNvSpPr/>
+          <p:nvPr/>
+        </p:nvSpPr>
+        <p:spPr>
+          <a:xfrm>
+            <a:off x="9447324" y="4362093"/>
+            <a:ext cx="1708356" cy="594852"/>
           </a:xfrm>
           <a:prstGeom prst="rect">
             <a:avLst/>
           </a:prstGeom>
+          <a:solidFill>
+            <a:schemeClr val="bg1">
+              <a:lumMod val="50000"/>
+            </a:schemeClr>
+          </a:solidFill>
+          <a:ln>
+            <a:noFill/>
+          </a:ln>
         </p:spPr>
         <p:style>
           <a:lnRef idx="2">
@@ -26075,7 +26426,7 @@
             <a:pPr algn="ctr"/>
             <a:r>
               <a:rPr lang="es-ES" dirty="0"/>
-              <a:t>PC4</a:t>
+              <a:t>Red</a:t>
             </a:r>
             <a:endParaRPr lang="es-CO" dirty="0"/>
           </a:p>
@@ -26083,14 +26434,20 @@
       </p:sp>
       <p:sp>
         <p:nvSpPr>
-          <p:cNvPr id="22" name="Rectángulo 21"/>
-          <p:cNvSpPr/>
-          <p:nvPr/>
-        </p:nvSpPr>
-        <p:spPr>
-          <a:xfrm>
-            <a:off x="6293318" y="4533495"/>
-            <a:ext cx="760396" cy="760396"/>
+          <p:cNvPr id="6" name="Rectangle 5">
+            <a:extLst>
+              <a:ext uri="{FF2B5EF4-FFF2-40B4-BE49-F238E27FC236}">
+                <a16:creationId xmlns:a16="http://schemas.microsoft.com/office/drawing/2014/main" id="{7FFD7916-60A5-7DCC-7784-BD0A0E9A0284}"/>
+              </a:ext>
+            </a:extLst>
+          </p:cNvPr>
+          <p:cNvSpPr/>
+          <p:nvPr/>
+        </p:nvSpPr>
+        <p:spPr>
+          <a:xfrm>
+            <a:off x="1024734" y="2068442"/>
+            <a:ext cx="1926771" cy="594852"/>
           </a:xfrm>
           <a:prstGeom prst="rect">
             <a:avLst/>
@@ -26118,23 +26475,302 @@
           <a:p>
             <a:pPr algn="ctr"/>
             <a:r>
-              <a:rPr lang="es-ES" dirty="0"/>
-              <a:t>PC6</a:t>
-            </a:r>
-            <a:endParaRPr lang="es-CO" dirty="0"/>
-          </a:p>
-        </p:txBody>
-      </p:sp>
-      <p:sp>
-        <p:nvSpPr>
-          <p:cNvPr id="7" name="CuadroTexto 6"/>
+              <a:rPr lang="en-CO" dirty="0"/>
+              <a:t>Cliente</a:t>
+            </a:r>
+          </a:p>
+        </p:txBody>
+      </p:sp>
+      <p:sp>
+        <p:nvSpPr>
+          <p:cNvPr id="7" name="Rectangle 6">
+            <a:extLst>
+              <a:ext uri="{FF2B5EF4-FFF2-40B4-BE49-F238E27FC236}">
+                <a16:creationId xmlns:a16="http://schemas.microsoft.com/office/drawing/2014/main" id="{B6E34B29-1CBB-A518-120F-1E5A1CD6B7D1}"/>
+              </a:ext>
+            </a:extLst>
+          </p:cNvPr>
+          <p:cNvSpPr/>
+          <p:nvPr/>
+        </p:nvSpPr>
+        <p:spPr>
+          <a:xfrm>
+            <a:off x="5845629" y="2068442"/>
+            <a:ext cx="1926771" cy="594852"/>
+          </a:xfrm>
+          <a:prstGeom prst="rect">
+            <a:avLst/>
+          </a:prstGeom>
+        </p:spPr>
+        <p:style>
+          <a:lnRef idx="2">
+            <a:schemeClr val="accent1">
+              <a:shade val="50000"/>
+            </a:schemeClr>
+          </a:lnRef>
+          <a:fillRef idx="1">
+            <a:schemeClr val="accent1"/>
+          </a:fillRef>
+          <a:effectRef idx="0">
+            <a:schemeClr val="accent1"/>
+          </a:effectRef>
+          <a:fontRef idx="minor">
+            <a:schemeClr val="lt1"/>
+          </a:fontRef>
+        </p:style>
+        <p:txBody>
+          <a:bodyPr rtlCol="0" anchor="ctr"/>
+          <a:lstStyle/>
+          <a:p>
+            <a:pPr algn="ctr"/>
+            <a:r>
+              <a:rPr lang="en-CO" dirty="0"/>
+              <a:t>Servidor</a:t>
+            </a:r>
+          </a:p>
+        </p:txBody>
+      </p:sp>
+      <p:cxnSp>
+        <p:nvCxnSpPr>
+          <p:cNvPr id="9" name="Straight Connector 8">
+            <a:extLst>
+              <a:ext uri="{FF2B5EF4-FFF2-40B4-BE49-F238E27FC236}">
+                <a16:creationId xmlns:a16="http://schemas.microsoft.com/office/drawing/2014/main" id="{71BA7974-2006-5FD6-D0EA-7982D075C4A8}"/>
+              </a:ext>
+            </a:extLst>
+          </p:cNvPr>
+          <p:cNvCxnSpPr>
+            <a:cxnSpLocks/>
+            <a:stCxn id="6" idx="2"/>
+            <a:endCxn id="21" idx="4"/>
+          </p:cNvCxnSpPr>
+          <p:nvPr/>
+        </p:nvCxnSpPr>
+        <p:spPr>
+          <a:xfrm>
+            <a:off x="1988120" y="2663294"/>
+            <a:ext cx="9173" cy="2308672"/>
+          </a:xfrm>
+          <a:prstGeom prst="line">
+            <a:avLst/>
+          </a:prstGeom>
+        </p:spPr>
+        <p:style>
+          <a:lnRef idx="1">
+            <a:schemeClr val="accent1"/>
+          </a:lnRef>
+          <a:fillRef idx="0">
+            <a:schemeClr val="accent1"/>
+          </a:fillRef>
+          <a:effectRef idx="0">
+            <a:schemeClr val="accent1"/>
+          </a:effectRef>
+          <a:fontRef idx="minor">
+            <a:schemeClr val="tx1"/>
+          </a:fontRef>
+        </p:style>
+      </p:cxnSp>
+      <p:cxnSp>
+        <p:nvCxnSpPr>
+          <p:cNvPr id="10" name="Straight Connector 9">
+            <a:extLst>
+              <a:ext uri="{FF2B5EF4-FFF2-40B4-BE49-F238E27FC236}">
+                <a16:creationId xmlns:a16="http://schemas.microsoft.com/office/drawing/2014/main" id="{CF711FC5-5577-42BC-305E-941882512248}"/>
+              </a:ext>
+            </a:extLst>
+          </p:cNvPr>
+          <p:cNvCxnSpPr>
+            <a:cxnSpLocks/>
+            <a:endCxn id="26" idx="4"/>
+          </p:cNvCxnSpPr>
+          <p:nvPr/>
+        </p:nvCxnSpPr>
+        <p:spPr>
+          <a:xfrm flipH="1">
+            <a:off x="6809014" y="2532066"/>
+            <a:ext cx="1" cy="2424879"/>
+          </a:xfrm>
+          <a:prstGeom prst="line">
+            <a:avLst/>
+          </a:prstGeom>
+        </p:spPr>
+        <p:style>
+          <a:lnRef idx="1">
+            <a:schemeClr val="accent1"/>
+          </a:lnRef>
+          <a:fillRef idx="0">
+            <a:schemeClr val="accent1"/>
+          </a:fillRef>
+          <a:effectRef idx="0">
+            <a:schemeClr val="accent1"/>
+          </a:effectRef>
+          <a:fontRef idx="minor">
+            <a:schemeClr val="tx1"/>
+          </a:fontRef>
+        </p:style>
+      </p:cxnSp>
+      <p:cxnSp>
+        <p:nvCxnSpPr>
+          <p:cNvPr id="20" name="Straight Arrow Connector 19">
+            <a:extLst>
+              <a:ext uri="{FF2B5EF4-FFF2-40B4-BE49-F238E27FC236}">
+                <a16:creationId xmlns:a16="http://schemas.microsoft.com/office/drawing/2014/main" id="{B25C4458-CBF0-5E06-787F-4892B74A31E6}"/>
+              </a:ext>
+            </a:extLst>
+          </p:cNvPr>
+          <p:cNvCxnSpPr>
+            <a:cxnSpLocks/>
+          </p:cNvCxnSpPr>
+          <p:nvPr/>
+        </p:nvCxnSpPr>
+        <p:spPr>
+          <a:xfrm>
+            <a:off x="1988119" y="3403755"/>
+            <a:ext cx="4820895" cy="0"/>
+          </a:xfrm>
+          <a:prstGeom prst="straightConnector1">
+            <a:avLst/>
+          </a:prstGeom>
+          <a:ln>
+            <a:solidFill>
+              <a:schemeClr val="tx1"/>
+            </a:solidFill>
+            <a:tailEnd type="triangle"/>
+          </a:ln>
+        </p:spPr>
+        <p:style>
+          <a:lnRef idx="1">
+            <a:schemeClr val="accent1"/>
+          </a:lnRef>
+          <a:fillRef idx="0">
+            <a:schemeClr val="accent1"/>
+          </a:fillRef>
+          <a:effectRef idx="0">
+            <a:schemeClr val="accent1"/>
+          </a:effectRef>
+          <a:fontRef idx="minor">
+            <a:schemeClr val="tx1"/>
+          </a:fontRef>
+        </p:style>
+      </p:cxnSp>
+      <p:sp>
+        <p:nvSpPr>
+          <p:cNvPr id="21" name="Oval 20">
+            <a:extLst>
+              <a:ext uri="{FF2B5EF4-FFF2-40B4-BE49-F238E27FC236}">
+                <a16:creationId xmlns:a16="http://schemas.microsoft.com/office/drawing/2014/main" id="{2B7B2B15-F0C5-E773-E465-E7197A09F5A0}"/>
+              </a:ext>
+            </a:extLst>
+          </p:cNvPr>
+          <p:cNvSpPr/>
+          <p:nvPr/>
+        </p:nvSpPr>
+        <p:spPr>
+          <a:xfrm>
+            <a:off x="1741242" y="4459864"/>
+            <a:ext cx="512102" cy="512102"/>
+          </a:xfrm>
+          <a:prstGeom prst="ellipse">
+            <a:avLst/>
+          </a:prstGeom>
+          <a:solidFill>
+            <a:schemeClr val="bg1"/>
+          </a:solidFill>
+          <a:ln>
+            <a:solidFill>
+              <a:schemeClr val="tx1"/>
+            </a:solidFill>
+          </a:ln>
+        </p:spPr>
+        <p:style>
+          <a:lnRef idx="2">
+            <a:schemeClr val="accent1">
+              <a:shade val="50000"/>
+            </a:schemeClr>
+          </a:lnRef>
+          <a:fillRef idx="1">
+            <a:schemeClr val="accent1"/>
+          </a:fillRef>
+          <a:effectRef idx="0">
+            <a:schemeClr val="accent1"/>
+          </a:effectRef>
+          <a:fontRef idx="minor">
+            <a:schemeClr val="lt1"/>
+          </a:fontRef>
+        </p:style>
+        <p:txBody>
+          <a:bodyPr rtlCol="0" anchor="ctr"/>
+          <a:lstStyle/>
+          <a:p>
+            <a:pPr algn="ctr"/>
+            <a:endParaRPr lang="en-CO" sz="1600" dirty="0">
+              <a:solidFill>
+                <a:schemeClr val="tx1"/>
+              </a:solidFill>
+            </a:endParaRPr>
+          </a:p>
+        </p:txBody>
+      </p:sp>
+      <p:cxnSp>
+        <p:nvCxnSpPr>
+          <p:cNvPr id="22" name="Straight Arrow Connector 21">
+            <a:extLst>
+              <a:ext uri="{FF2B5EF4-FFF2-40B4-BE49-F238E27FC236}">
+                <a16:creationId xmlns:a16="http://schemas.microsoft.com/office/drawing/2014/main" id="{B1A2E9FE-6766-891A-5F69-F05BE3FE692B}"/>
+              </a:ext>
+            </a:extLst>
+          </p:cNvPr>
+          <p:cNvCxnSpPr>
+            <a:stCxn id="21" idx="6"/>
+          </p:cNvCxnSpPr>
+          <p:nvPr/>
+        </p:nvCxnSpPr>
+        <p:spPr>
+          <a:xfrm>
+            <a:off x="2253344" y="4715915"/>
+            <a:ext cx="4555670" cy="0"/>
+          </a:xfrm>
+          <a:prstGeom prst="straightConnector1">
+            <a:avLst/>
+          </a:prstGeom>
+          <a:ln>
+            <a:solidFill>
+              <a:schemeClr val="tx1"/>
+            </a:solidFill>
+            <a:tailEnd type="triangle"/>
+          </a:ln>
+        </p:spPr>
+        <p:style>
+          <a:lnRef idx="1">
+            <a:schemeClr val="accent1"/>
+          </a:lnRef>
+          <a:fillRef idx="0">
+            <a:schemeClr val="accent1"/>
+          </a:fillRef>
+          <a:effectRef idx="0">
+            <a:schemeClr val="accent1"/>
+          </a:effectRef>
+          <a:fontRef idx="minor">
+            <a:schemeClr val="tx1"/>
+          </a:fontRef>
+        </p:style>
+      </p:cxnSp>
+      <p:sp>
+        <p:nvSpPr>
+          <p:cNvPr id="3" name="TextBox 2">
+            <a:extLst>
+              <a:ext uri="{FF2B5EF4-FFF2-40B4-BE49-F238E27FC236}">
+                <a16:creationId xmlns:a16="http://schemas.microsoft.com/office/drawing/2014/main" id="{228791E9-376B-A0AB-3333-6898E0B678D0}"/>
+              </a:ext>
+            </a:extLst>
+          </p:cNvPr>
           <p:cNvSpPr txBox="1"/>
           <p:nvPr/>
         </p:nvSpPr>
         <p:spPr>
           <a:xfrm>
-            <a:off x="7295949" y="2800952"/>
-            <a:ext cx="2213811" cy="375385"/>
+            <a:off x="3105323" y="2729608"/>
+            <a:ext cx="2329543" cy="646331"/>
           </a:xfrm>
           <a:prstGeom prst="rect">
             <a:avLst/>
@@ -26147,24 +26783,101 @@
           </a:bodyPr>
           <a:lstStyle/>
           <a:p>
-            <a:r>
-              <a:rPr lang="es-ES" dirty="0"/>
-              <a:t>192.168.200.56</a:t>
-            </a:r>
-            <a:endParaRPr lang="es-CO" dirty="0"/>
-          </a:p>
-        </p:txBody>
-      </p:sp>
-      <p:sp>
-        <p:nvSpPr>
-          <p:cNvPr id="23" name="CuadroTexto 22"/>
+            <a:pPr algn="ctr"/>
+            <a:r>
+              <a:rPr lang="en-CO" b="1" dirty="0">
+                <a:solidFill>
+                  <a:schemeClr val="tx2">
+                    <a:lumMod val="75000"/>
+                  </a:schemeClr>
+                </a:solidFill>
+              </a:rPr>
+              <a:t>Solicitud de conexión</a:t>
+            </a:r>
+          </a:p>
+          <a:p>
+            <a:pPr algn="ctr"/>
+            <a:r>
+              <a:rPr lang="en-CO" dirty="0"/>
+              <a:t>192.168.0.15:5000</a:t>
+            </a:r>
+          </a:p>
+        </p:txBody>
+      </p:sp>
+      <p:sp>
+        <p:nvSpPr>
+          <p:cNvPr id="26" name="Oval 25">
+            <a:extLst>
+              <a:ext uri="{FF2B5EF4-FFF2-40B4-BE49-F238E27FC236}">
+                <a16:creationId xmlns:a16="http://schemas.microsoft.com/office/drawing/2014/main" id="{3778419C-B314-C338-EFEE-AF7CDB78C3DC}"/>
+              </a:ext>
+            </a:extLst>
+          </p:cNvPr>
+          <p:cNvSpPr/>
+          <p:nvPr/>
+        </p:nvSpPr>
+        <p:spPr>
+          <a:xfrm>
+            <a:off x="6552963" y="4444843"/>
+            <a:ext cx="512102" cy="512102"/>
+          </a:xfrm>
+          <a:prstGeom prst="ellipse">
+            <a:avLst/>
+          </a:prstGeom>
+          <a:solidFill>
+            <a:schemeClr val="bg1"/>
+          </a:solidFill>
+          <a:ln>
+            <a:solidFill>
+              <a:schemeClr val="tx1"/>
+            </a:solidFill>
+          </a:ln>
+        </p:spPr>
+        <p:style>
+          <a:lnRef idx="2">
+            <a:schemeClr val="accent1">
+              <a:shade val="50000"/>
+            </a:schemeClr>
+          </a:lnRef>
+          <a:fillRef idx="1">
+            <a:schemeClr val="accent1"/>
+          </a:fillRef>
+          <a:effectRef idx="0">
+            <a:schemeClr val="accent1"/>
+          </a:effectRef>
+          <a:fontRef idx="minor">
+            <a:schemeClr val="lt1"/>
+          </a:fontRef>
+        </p:style>
+        <p:txBody>
+          <a:bodyPr rtlCol="0" anchor="ctr"/>
+          <a:lstStyle/>
+          <a:p>
+            <a:pPr algn="ctr"/>
+            <a:endParaRPr lang="en-CO" sz="1600" dirty="0">
+              <a:solidFill>
+                <a:schemeClr val="tx1"/>
+              </a:solidFill>
+            </a:endParaRPr>
+          </a:p>
+        </p:txBody>
+      </p:sp>
+      <p:sp>
+        <p:nvSpPr>
+          <p:cNvPr id="31" name="TextBox 30">
+            <a:extLst>
+              <a:ext uri="{FF2B5EF4-FFF2-40B4-BE49-F238E27FC236}">
+                <a16:creationId xmlns:a16="http://schemas.microsoft.com/office/drawing/2014/main" id="{BE9073A4-6800-68A9-23CF-DD0519FE54B1}"/>
+              </a:ext>
+            </a:extLst>
+          </p:cNvPr>
           <p:cNvSpPr txBox="1"/>
           <p:nvPr/>
         </p:nvSpPr>
         <p:spPr>
           <a:xfrm>
-            <a:off x="7295949" y="3787539"/>
-            <a:ext cx="2213811" cy="375385"/>
+            <a:off x="832521" y="4999782"/>
+            <a:ext cx="2329543" cy="646331"/>
           </a:xfrm>
           <a:prstGeom prst="rect">
             <a:avLst/>
@@ -26177,24 +26890,43 @@
           </a:bodyPr>
           <a:lstStyle/>
           <a:p>
-            <a:r>
-              <a:rPr lang="es-ES" dirty="0"/>
-              <a:t>192.168.200.18</a:t>
-            </a:r>
-            <a:endParaRPr lang="es-CO" dirty="0"/>
-          </a:p>
-        </p:txBody>
-      </p:sp>
-      <p:sp>
-        <p:nvSpPr>
-          <p:cNvPr id="25" name="CuadroTexto 24"/>
+            <a:pPr algn="ctr"/>
+            <a:r>
+              <a:rPr lang="en-CO" b="1" dirty="0">
+                <a:solidFill>
+                  <a:schemeClr val="tx2">
+                    <a:lumMod val="75000"/>
+                  </a:schemeClr>
+                </a:solidFill>
+              </a:rPr>
+              <a:t>Socket</a:t>
+            </a:r>
+          </a:p>
+          <a:p>
+            <a:pPr algn="ctr"/>
+            <a:r>
+              <a:rPr lang="en-CO" dirty="0"/>
+              <a:t>Destination Port: 5000</a:t>
+            </a:r>
+          </a:p>
+        </p:txBody>
+      </p:sp>
+      <p:sp>
+        <p:nvSpPr>
+          <p:cNvPr id="33" name="TextBox 32">
+            <a:extLst>
+              <a:ext uri="{FF2B5EF4-FFF2-40B4-BE49-F238E27FC236}">
+                <a16:creationId xmlns:a16="http://schemas.microsoft.com/office/drawing/2014/main" id="{830DDA11-F46F-0CDE-039D-96E8763FEAEC}"/>
+              </a:ext>
+            </a:extLst>
+          </p:cNvPr>
           <p:cNvSpPr txBox="1"/>
           <p:nvPr/>
         </p:nvSpPr>
         <p:spPr>
           <a:xfrm>
-            <a:off x="7295949" y="4726000"/>
-            <a:ext cx="2213811" cy="375385"/>
+            <a:off x="5587092" y="4999782"/>
+            <a:ext cx="2443844" cy="646331"/>
           </a:xfrm>
           <a:prstGeom prst="rect">
             <a:avLst/>
@@ -26207,224 +26939,31 @@
           </a:bodyPr>
           <a:lstStyle/>
           <a:p>
-            <a:r>
-              <a:rPr lang="es-ES" dirty="0"/>
-              <a:t>192.168.200.15</a:t>
-            </a:r>
-            <a:endParaRPr lang="es-CO" dirty="0"/>
-          </a:p>
-        </p:txBody>
-      </p:sp>
-      <p:sp>
-        <p:nvSpPr>
-          <p:cNvPr id="26" name="CuadroTexto 25"/>
-          <p:cNvSpPr txBox="1"/>
-          <p:nvPr/>
-        </p:nvSpPr>
-        <p:spPr>
-          <a:xfrm>
-            <a:off x="2876349" y="2800952"/>
-            <a:ext cx="2213811" cy="375385"/>
-          </a:xfrm>
-          <a:prstGeom prst="rect">
-            <a:avLst/>
-          </a:prstGeom>
-          <a:noFill/>
-        </p:spPr>
-        <p:txBody>
-          <a:bodyPr wrap="square" rtlCol="0">
-            <a:spAutoFit/>
-          </a:bodyPr>
-          <a:lstStyle/>
-          <a:p>
-            <a:pPr algn="r"/>
-            <a:r>
-              <a:rPr lang="es-ES" dirty="0"/>
-              <a:t>192.168.200.53</a:t>
-            </a:r>
-            <a:endParaRPr lang="es-CO" dirty="0"/>
-          </a:p>
-        </p:txBody>
-      </p:sp>
-      <p:sp>
-        <p:nvSpPr>
-          <p:cNvPr id="28" name="CuadroTexto 27"/>
-          <p:cNvSpPr txBox="1"/>
-          <p:nvPr/>
-        </p:nvSpPr>
-        <p:spPr>
-          <a:xfrm>
-            <a:off x="2876349" y="3787539"/>
-            <a:ext cx="2213811" cy="375385"/>
-          </a:xfrm>
-          <a:prstGeom prst="rect">
-            <a:avLst/>
-          </a:prstGeom>
-          <a:noFill/>
-        </p:spPr>
-        <p:txBody>
-          <a:bodyPr wrap="square" rtlCol="0">
-            <a:spAutoFit/>
-          </a:bodyPr>
-          <a:lstStyle/>
-          <a:p>
-            <a:pPr algn="r"/>
-            <a:r>
-              <a:rPr lang="es-ES" dirty="0"/>
-              <a:t>192.168.200.25</a:t>
-            </a:r>
-            <a:endParaRPr lang="es-CO" dirty="0"/>
-          </a:p>
-        </p:txBody>
-      </p:sp>
-      <p:sp>
-        <p:nvSpPr>
-          <p:cNvPr id="29" name="CuadroTexto 28"/>
-          <p:cNvSpPr txBox="1"/>
-          <p:nvPr/>
-        </p:nvSpPr>
-        <p:spPr>
-          <a:xfrm>
-            <a:off x="2876349" y="4726000"/>
-            <a:ext cx="2213811" cy="375385"/>
-          </a:xfrm>
-          <a:prstGeom prst="rect">
-            <a:avLst/>
-          </a:prstGeom>
-          <a:noFill/>
-        </p:spPr>
-        <p:txBody>
-          <a:bodyPr wrap="square" rtlCol="0">
-            <a:spAutoFit/>
-          </a:bodyPr>
-          <a:lstStyle/>
-          <a:p>
-            <a:pPr algn="r"/>
-            <a:r>
-              <a:rPr lang="es-ES" dirty="0"/>
-              <a:t>192.168.200.115</a:t>
-            </a:r>
-            <a:endParaRPr lang="es-CO" dirty="0"/>
-          </a:p>
-        </p:txBody>
-      </p:sp>
-      <p:sp>
-        <p:nvSpPr>
-          <p:cNvPr id="30" name="CuadroTexto 29"/>
-          <p:cNvSpPr txBox="1"/>
-          <p:nvPr/>
-        </p:nvSpPr>
-        <p:spPr>
-          <a:xfrm>
-            <a:off x="5282665" y="1830487"/>
-            <a:ext cx="2213811" cy="646331"/>
-          </a:xfrm>
-          <a:prstGeom prst="rect">
-            <a:avLst/>
-          </a:prstGeom>
-          <a:noFill/>
-        </p:spPr>
-        <p:txBody>
-          <a:bodyPr wrap="square" rtlCol="0">
-            <a:spAutoFit/>
-          </a:bodyPr>
-          <a:lstStyle/>
-          <a:p>
-            <a:r>
-              <a:rPr lang="es-ES" dirty="0"/>
-              <a:t>Máscara: 255.255.255.0</a:t>
-            </a:r>
-            <a:endParaRPr lang="es-CO" dirty="0"/>
-          </a:p>
-        </p:txBody>
-      </p:sp>
-      <p:sp>
-        <p:nvSpPr>
-          <p:cNvPr id="18" name="CuadroTexto 17"/>
-          <p:cNvSpPr txBox="1"/>
-          <p:nvPr/>
-        </p:nvSpPr>
-        <p:spPr>
-          <a:xfrm>
-            <a:off x="268615" y="2476818"/>
-            <a:ext cx="2978664" cy="2585323"/>
-          </a:xfrm>
-          <a:prstGeom prst="rect">
-            <a:avLst/>
-          </a:prstGeom>
-          <a:noFill/>
-        </p:spPr>
-        <p:txBody>
-          <a:bodyPr wrap="square" rtlCol="0">
-            <a:spAutoFit/>
-          </a:bodyPr>
-          <a:lstStyle/>
-          <a:p>
-            <a:r>
-              <a:rPr lang="es-ES" dirty="0">
+            <a:pPr algn="ctr"/>
+            <a:r>
+              <a:rPr lang="en-CO" b="1" dirty="0">
                 <a:solidFill>
-                  <a:srgbClr val="7030A0"/>
+                  <a:schemeClr val="tx2">
+                    <a:lumMod val="75000"/>
+                  </a:schemeClr>
                 </a:solidFill>
               </a:rPr>
-              <a:t>Si multiplico bit a bit la máscara de subred con una dirección IP de host cualquiera, el resultado es la dirección de subred:</a:t>
-            </a:r>
-          </a:p>
-          <a:p>
-            <a:endParaRPr lang="es-ES" dirty="0">
-              <a:solidFill>
-                <a:srgbClr val="7030A0"/>
-              </a:solidFill>
-            </a:endParaRPr>
-          </a:p>
-          <a:p>
-            <a:r>
-              <a:rPr lang="es-ES" dirty="0">
-                <a:solidFill>
-                  <a:srgbClr val="7030A0"/>
-                </a:solidFill>
-              </a:rPr>
-              <a:t>      255.255.255.0</a:t>
-            </a:r>
-          </a:p>
-          <a:p>
-            <a:r>
-              <a:rPr lang="es-ES" dirty="0">
-                <a:solidFill>
-                  <a:srgbClr val="7030A0"/>
-                </a:solidFill>
-              </a:rPr>
-              <a:t>   * </a:t>
-            </a:r>
-            <a:r>
-              <a:rPr lang="es-ES" u="sng" dirty="0">
-                <a:solidFill>
-                  <a:srgbClr val="7030A0"/>
-                </a:solidFill>
-              </a:rPr>
-              <a:t>192.168.200.53</a:t>
-            </a:r>
-          </a:p>
-          <a:p>
-            <a:r>
-              <a:rPr lang="es-ES" dirty="0">
-                <a:solidFill>
-                  <a:srgbClr val="7030A0"/>
-                </a:solidFill>
-              </a:rPr>
-              <a:t>      192.168.200.0</a:t>
-            </a:r>
-            <a:endParaRPr lang="es-CO" dirty="0">
-              <a:solidFill>
-                <a:srgbClr val="7030A0"/>
-              </a:solidFill>
-            </a:endParaRPr>
+              <a:t>Socket</a:t>
+            </a:r>
+          </a:p>
+          <a:p>
+            <a:pPr algn="ctr"/>
+            <a:r>
+              <a:rPr lang="en-CO" dirty="0"/>
+              <a:t>Destination Port: 49124</a:t>
+            </a:r>
           </a:p>
         </p:txBody>
       </p:sp>
     </p:spTree>
     <p:extLst>
       <p:ext uri="{BB962C8B-B14F-4D97-AF65-F5344CB8AC3E}">
-        <p14:creationId xmlns:p14="http://schemas.microsoft.com/office/powerpoint/2010/main" val="1840723322"/>
+        <p14:creationId xmlns:p14="http://schemas.microsoft.com/office/powerpoint/2010/main" val="4257484548"/>
       </p:ext>
     </p:extLst>
   </p:cSld>
@@ -27491,8 +28030,74 @@
           <a:lstStyle/>
           <a:p>
             <a:r>
+              <a:rPr lang="en-US" b="1" i="0" dirty="0">
+                <a:effectLst/>
+                <a:latin typeface="Söhne"/>
+              </a:rPr>
+              <a:t>Fin de </a:t>
+            </a:r>
+            <a:r>
+              <a:rPr lang="en-US" b="1" i="0" dirty="0" err="1">
+                <a:effectLst/>
+                <a:latin typeface="Söhne"/>
+              </a:rPr>
+              <a:t>transmisión</a:t>
+            </a:r>
+            <a:endParaRPr lang="es-CO" dirty="0">
+              <a:solidFill>
+                <a:schemeClr val="tx1"/>
+              </a:solidFill>
+            </a:endParaRPr>
+          </a:p>
+        </p:txBody>
+      </p:sp>
+      <p:sp>
+        <p:nvSpPr>
+          <p:cNvPr id="11" name="Rectángulo 10"/>
+          <p:cNvSpPr/>
+          <p:nvPr/>
+        </p:nvSpPr>
+        <p:spPr>
+          <a:xfrm>
+            <a:off x="9447324" y="5582111"/>
+            <a:ext cx="1708356" cy="594852"/>
+          </a:xfrm>
+          <a:prstGeom prst="rect">
+            <a:avLst/>
+          </a:prstGeom>
+          <a:solidFill>
+            <a:schemeClr val="bg1">
+              <a:lumMod val="50000"/>
+            </a:schemeClr>
+          </a:solidFill>
+          <a:ln>
+            <a:noFill/>
+          </a:ln>
+        </p:spPr>
+        <p:style>
+          <a:lnRef idx="2">
+            <a:schemeClr val="accent1">
+              <a:shade val="50000"/>
+            </a:schemeClr>
+          </a:lnRef>
+          <a:fillRef idx="1">
+            <a:schemeClr val="accent1"/>
+          </a:fillRef>
+          <a:effectRef idx="0">
+            <a:schemeClr val="accent1"/>
+          </a:effectRef>
+          <a:fontRef idx="minor">
+            <a:schemeClr val="lt1"/>
+          </a:fontRef>
+        </p:style>
+        <p:txBody>
+          <a:bodyPr rtlCol="0" anchor="ctr"/>
+          <a:lstStyle/>
+          <a:p>
+            <a:pPr algn="ctr"/>
+            <a:r>
               <a:rPr lang="es-ES" dirty="0"/>
-              <a:t>¿Cuál es la dirección de subred?</a:t>
+              <a:t>Físico</a:t>
             </a:r>
             <a:endParaRPr lang="es-CO" dirty="0"/>
           </a:p>
@@ -27500,18 +28105,26 @@
       </p:sp>
       <p:sp>
         <p:nvSpPr>
-          <p:cNvPr id="5" name="Rectángulo 4"/>
-          <p:cNvSpPr/>
-          <p:nvPr/>
-        </p:nvSpPr>
-        <p:spPr>
-          <a:xfrm>
-            <a:off x="5313145" y="2685448"/>
-            <a:ext cx="760396" cy="760396"/>
+          <p:cNvPr id="12" name="Rectángulo 11"/>
+          <p:cNvSpPr/>
+          <p:nvPr/>
+        </p:nvSpPr>
+        <p:spPr>
+          <a:xfrm>
+            <a:off x="9447324" y="4972102"/>
+            <a:ext cx="1708356" cy="594852"/>
           </a:xfrm>
           <a:prstGeom prst="rect">
             <a:avLst/>
           </a:prstGeom>
+          <a:solidFill>
+            <a:schemeClr val="bg1">
+              <a:lumMod val="50000"/>
+            </a:schemeClr>
+          </a:solidFill>
+          <a:ln>
+            <a:noFill/>
+          </a:ln>
         </p:spPr>
         <p:style>
           <a:lnRef idx="2">
@@ -27536,7 +28149,7 @@
             <a:pPr algn="ctr"/>
             <a:r>
               <a:rPr lang="es-ES" dirty="0"/>
-              <a:t>PC1</a:t>
+              <a:t>Enlace de datos</a:t>
             </a:r>
             <a:endParaRPr lang="es-CO" dirty="0"/>
           </a:p>
@@ -27544,18 +28157,78 @@
       </p:sp>
       <p:sp>
         <p:nvSpPr>
+          <p:cNvPr id="15" name="Rectángulo 14"/>
+          <p:cNvSpPr/>
+          <p:nvPr/>
+        </p:nvSpPr>
+        <p:spPr>
+          <a:xfrm>
+            <a:off x="9447324" y="3142075"/>
+            <a:ext cx="1708356" cy="594852"/>
+          </a:xfrm>
+          <a:prstGeom prst="rect">
+            <a:avLst/>
+          </a:prstGeom>
+          <a:solidFill>
+            <a:schemeClr val="bg1">
+              <a:lumMod val="85000"/>
+            </a:schemeClr>
+          </a:solidFill>
+          <a:ln>
+            <a:noFill/>
+          </a:ln>
+        </p:spPr>
+        <p:style>
+          <a:lnRef idx="2">
+            <a:schemeClr val="accent1">
+              <a:shade val="50000"/>
+            </a:schemeClr>
+          </a:lnRef>
+          <a:fillRef idx="1">
+            <a:schemeClr val="accent1"/>
+          </a:fillRef>
+          <a:effectRef idx="0">
+            <a:schemeClr val="accent1"/>
+          </a:effectRef>
+          <a:fontRef idx="minor">
+            <a:schemeClr val="lt1"/>
+          </a:fontRef>
+        </p:style>
+        <p:txBody>
+          <a:bodyPr rtlCol="0" anchor="ctr"/>
+          <a:lstStyle/>
+          <a:p>
+            <a:pPr algn="ctr"/>
+            <a:r>
+              <a:rPr lang="es-ES" dirty="0"/>
+              <a:t>Sesión</a:t>
+            </a:r>
+            <a:endParaRPr lang="es-CO" dirty="0"/>
+          </a:p>
+        </p:txBody>
+      </p:sp>
+      <p:sp>
+        <p:nvSpPr>
           <p:cNvPr id="16" name="Rectángulo 15"/>
           <p:cNvSpPr/>
           <p:nvPr/>
         </p:nvSpPr>
         <p:spPr>
           <a:xfrm>
-            <a:off x="5313145" y="3595034"/>
-            <a:ext cx="760396" cy="760396"/>
+            <a:off x="9447324" y="2532066"/>
+            <a:ext cx="1708356" cy="594852"/>
           </a:xfrm>
           <a:prstGeom prst="rect">
             <a:avLst/>
           </a:prstGeom>
+          <a:solidFill>
+            <a:schemeClr val="bg1">
+              <a:lumMod val="85000"/>
+            </a:schemeClr>
+          </a:solidFill>
+          <a:ln>
+            <a:noFill/>
+          </a:ln>
         </p:spPr>
         <p:style>
           <a:lnRef idx="2">
@@ -27580,7 +28253,7 @@
             <a:pPr algn="ctr"/>
             <a:r>
               <a:rPr lang="es-ES" dirty="0"/>
-              <a:t>PC3</a:t>
+              <a:t>Presentación</a:t>
             </a:r>
             <a:endParaRPr lang="es-CO" dirty="0"/>
           </a:p>
@@ -27594,12 +28267,20 @@
         </p:nvSpPr>
         <p:spPr>
           <a:xfrm>
-            <a:off x="5313145" y="4533495"/>
-            <a:ext cx="760396" cy="760396"/>
+            <a:off x="9447324" y="1922057"/>
+            <a:ext cx="1708356" cy="594852"/>
           </a:xfrm>
           <a:prstGeom prst="rect">
             <a:avLst/>
           </a:prstGeom>
+          <a:solidFill>
+            <a:schemeClr val="bg1">
+              <a:lumMod val="85000"/>
+            </a:schemeClr>
+          </a:solidFill>
+          <a:ln>
+            <a:noFill/>
+          </a:ln>
         </p:spPr>
         <p:style>
           <a:lnRef idx="2">
@@ -27624,7 +28305,7 @@
             <a:pPr algn="ctr"/>
             <a:r>
               <a:rPr lang="es-ES" dirty="0"/>
-              <a:t>PC5</a:t>
+              <a:t>Aplicación</a:t>
             </a:r>
             <a:endParaRPr lang="es-CO" dirty="0"/>
           </a:p>
@@ -27632,18 +28313,30 @@
       </p:sp>
       <p:sp>
         <p:nvSpPr>
-          <p:cNvPr id="19" name="Rectángulo 18"/>
-          <p:cNvSpPr/>
-          <p:nvPr/>
-        </p:nvSpPr>
-        <p:spPr>
-          <a:xfrm>
-            <a:off x="6293318" y="2685448"/>
-            <a:ext cx="760396" cy="760396"/>
+          <p:cNvPr id="4" name="Rectángulo 12">
+            <a:extLst>
+              <a:ext uri="{FF2B5EF4-FFF2-40B4-BE49-F238E27FC236}">
+                <a16:creationId xmlns:a16="http://schemas.microsoft.com/office/drawing/2014/main" id="{7B13C19D-D9F1-A35C-32A8-34439689DD31}"/>
+              </a:ext>
+            </a:extLst>
+          </p:cNvPr>
+          <p:cNvSpPr/>
+          <p:nvPr/>
+        </p:nvSpPr>
+        <p:spPr>
+          <a:xfrm>
+            <a:off x="9447324" y="3752084"/>
+            <a:ext cx="1708356" cy="594852"/>
           </a:xfrm>
           <a:prstGeom prst="rect">
             <a:avLst/>
           </a:prstGeom>
+          <a:solidFill>
+            <a:srgbClr val="7030A0"/>
+          </a:solidFill>
+          <a:ln>
+            <a:noFill/>
+          </a:ln>
         </p:spPr>
         <p:style>
           <a:lnRef idx="2">
@@ -27668,7 +28361,7 @@
             <a:pPr algn="ctr"/>
             <a:r>
               <a:rPr lang="es-ES" dirty="0"/>
-              <a:t>PC2</a:t>
+              <a:t>TCP</a:t>
             </a:r>
             <a:endParaRPr lang="es-CO" dirty="0"/>
           </a:p>
@@ -27676,18 +28369,32 @@
       </p:sp>
       <p:sp>
         <p:nvSpPr>
-          <p:cNvPr id="20" name="Rectángulo 19"/>
-          <p:cNvSpPr/>
-          <p:nvPr/>
-        </p:nvSpPr>
-        <p:spPr>
-          <a:xfrm>
-            <a:off x="6293318" y="3595034"/>
-            <a:ext cx="760396" cy="760396"/>
+          <p:cNvPr id="5" name="Rectángulo 11">
+            <a:extLst>
+              <a:ext uri="{FF2B5EF4-FFF2-40B4-BE49-F238E27FC236}">
+                <a16:creationId xmlns:a16="http://schemas.microsoft.com/office/drawing/2014/main" id="{9051BDAA-8344-F050-E1C5-BE3486DC0CFE}"/>
+              </a:ext>
+            </a:extLst>
+          </p:cNvPr>
+          <p:cNvSpPr/>
+          <p:nvPr/>
+        </p:nvSpPr>
+        <p:spPr>
+          <a:xfrm>
+            <a:off x="9447324" y="4362093"/>
+            <a:ext cx="1708356" cy="594852"/>
           </a:xfrm>
           <a:prstGeom prst="rect">
             <a:avLst/>
           </a:prstGeom>
+          <a:solidFill>
+            <a:schemeClr val="bg1">
+              <a:lumMod val="50000"/>
+            </a:schemeClr>
+          </a:solidFill>
+          <a:ln>
+            <a:noFill/>
+          </a:ln>
         </p:spPr>
         <p:style>
           <a:lnRef idx="2">
@@ -27712,7 +28419,7 @@
             <a:pPr algn="ctr"/>
             <a:r>
               <a:rPr lang="es-ES" dirty="0"/>
-              <a:t>PC4</a:t>
+              <a:t>Red</a:t>
             </a:r>
             <a:endParaRPr lang="es-CO" dirty="0"/>
           </a:p>
@@ -27720,14 +28427,20 @@
       </p:sp>
       <p:sp>
         <p:nvSpPr>
-          <p:cNvPr id="22" name="Rectángulo 21"/>
-          <p:cNvSpPr/>
-          <p:nvPr/>
-        </p:nvSpPr>
-        <p:spPr>
-          <a:xfrm>
-            <a:off x="6293318" y="4533495"/>
-            <a:ext cx="760396" cy="760396"/>
+          <p:cNvPr id="6" name="Rectangle 5">
+            <a:extLst>
+              <a:ext uri="{FF2B5EF4-FFF2-40B4-BE49-F238E27FC236}">
+                <a16:creationId xmlns:a16="http://schemas.microsoft.com/office/drawing/2014/main" id="{7FFD7916-60A5-7DCC-7784-BD0A0E9A0284}"/>
+              </a:ext>
+            </a:extLst>
+          </p:cNvPr>
+          <p:cNvSpPr/>
+          <p:nvPr/>
+        </p:nvSpPr>
+        <p:spPr>
+          <a:xfrm>
+            <a:off x="1024734" y="2068442"/>
+            <a:ext cx="1926771" cy="594852"/>
           </a:xfrm>
           <a:prstGeom prst="rect">
             <a:avLst/>
@@ -27755,23 +28468,302 @@
           <a:p>
             <a:pPr algn="ctr"/>
             <a:r>
-              <a:rPr lang="es-ES" dirty="0"/>
-              <a:t>PC6</a:t>
-            </a:r>
-            <a:endParaRPr lang="es-CO" dirty="0"/>
-          </a:p>
-        </p:txBody>
-      </p:sp>
-      <p:sp>
-        <p:nvSpPr>
-          <p:cNvPr id="7" name="CuadroTexto 6"/>
+              <a:rPr lang="en-CO" dirty="0"/>
+              <a:t>Cliente</a:t>
+            </a:r>
+          </a:p>
+        </p:txBody>
+      </p:sp>
+      <p:sp>
+        <p:nvSpPr>
+          <p:cNvPr id="7" name="Rectangle 6">
+            <a:extLst>
+              <a:ext uri="{FF2B5EF4-FFF2-40B4-BE49-F238E27FC236}">
+                <a16:creationId xmlns:a16="http://schemas.microsoft.com/office/drawing/2014/main" id="{B6E34B29-1CBB-A518-120F-1E5A1CD6B7D1}"/>
+              </a:ext>
+            </a:extLst>
+          </p:cNvPr>
+          <p:cNvSpPr/>
+          <p:nvPr/>
+        </p:nvSpPr>
+        <p:spPr>
+          <a:xfrm>
+            <a:off x="5845629" y="2068442"/>
+            <a:ext cx="1926771" cy="594852"/>
+          </a:xfrm>
+          <a:prstGeom prst="rect">
+            <a:avLst/>
+          </a:prstGeom>
+        </p:spPr>
+        <p:style>
+          <a:lnRef idx="2">
+            <a:schemeClr val="accent1">
+              <a:shade val="50000"/>
+            </a:schemeClr>
+          </a:lnRef>
+          <a:fillRef idx="1">
+            <a:schemeClr val="accent1"/>
+          </a:fillRef>
+          <a:effectRef idx="0">
+            <a:schemeClr val="accent1"/>
+          </a:effectRef>
+          <a:fontRef idx="minor">
+            <a:schemeClr val="lt1"/>
+          </a:fontRef>
+        </p:style>
+        <p:txBody>
+          <a:bodyPr rtlCol="0" anchor="ctr"/>
+          <a:lstStyle/>
+          <a:p>
+            <a:pPr algn="ctr"/>
+            <a:r>
+              <a:rPr lang="en-CO" dirty="0"/>
+              <a:t>Servidor</a:t>
+            </a:r>
+          </a:p>
+        </p:txBody>
+      </p:sp>
+      <p:cxnSp>
+        <p:nvCxnSpPr>
+          <p:cNvPr id="9" name="Straight Connector 8">
+            <a:extLst>
+              <a:ext uri="{FF2B5EF4-FFF2-40B4-BE49-F238E27FC236}">
+                <a16:creationId xmlns:a16="http://schemas.microsoft.com/office/drawing/2014/main" id="{71BA7974-2006-5FD6-D0EA-7982D075C4A8}"/>
+              </a:ext>
+            </a:extLst>
+          </p:cNvPr>
+          <p:cNvCxnSpPr>
+            <a:cxnSpLocks/>
+            <a:stCxn id="6" idx="2"/>
+            <a:endCxn id="21" idx="4"/>
+          </p:cNvCxnSpPr>
+          <p:nvPr/>
+        </p:nvCxnSpPr>
+        <p:spPr>
+          <a:xfrm>
+            <a:off x="1988120" y="2663294"/>
+            <a:ext cx="9173" cy="2308672"/>
+          </a:xfrm>
+          <a:prstGeom prst="line">
+            <a:avLst/>
+          </a:prstGeom>
+        </p:spPr>
+        <p:style>
+          <a:lnRef idx="1">
+            <a:schemeClr val="accent1"/>
+          </a:lnRef>
+          <a:fillRef idx="0">
+            <a:schemeClr val="accent1"/>
+          </a:fillRef>
+          <a:effectRef idx="0">
+            <a:schemeClr val="accent1"/>
+          </a:effectRef>
+          <a:fontRef idx="minor">
+            <a:schemeClr val="tx1"/>
+          </a:fontRef>
+        </p:style>
+      </p:cxnSp>
+      <p:cxnSp>
+        <p:nvCxnSpPr>
+          <p:cNvPr id="10" name="Straight Connector 9">
+            <a:extLst>
+              <a:ext uri="{FF2B5EF4-FFF2-40B4-BE49-F238E27FC236}">
+                <a16:creationId xmlns:a16="http://schemas.microsoft.com/office/drawing/2014/main" id="{CF711FC5-5577-42BC-305E-941882512248}"/>
+              </a:ext>
+            </a:extLst>
+          </p:cNvPr>
+          <p:cNvCxnSpPr>
+            <a:cxnSpLocks/>
+            <a:endCxn id="26" idx="4"/>
+          </p:cNvCxnSpPr>
+          <p:nvPr/>
+        </p:nvCxnSpPr>
+        <p:spPr>
+          <a:xfrm flipH="1">
+            <a:off x="6809014" y="2532066"/>
+            <a:ext cx="1" cy="2424879"/>
+          </a:xfrm>
+          <a:prstGeom prst="line">
+            <a:avLst/>
+          </a:prstGeom>
+        </p:spPr>
+        <p:style>
+          <a:lnRef idx="1">
+            <a:schemeClr val="accent1"/>
+          </a:lnRef>
+          <a:fillRef idx="0">
+            <a:schemeClr val="accent1"/>
+          </a:fillRef>
+          <a:effectRef idx="0">
+            <a:schemeClr val="accent1"/>
+          </a:effectRef>
+          <a:fontRef idx="minor">
+            <a:schemeClr val="tx1"/>
+          </a:fontRef>
+        </p:style>
+      </p:cxnSp>
+      <p:cxnSp>
+        <p:nvCxnSpPr>
+          <p:cNvPr id="20" name="Straight Arrow Connector 19">
+            <a:extLst>
+              <a:ext uri="{FF2B5EF4-FFF2-40B4-BE49-F238E27FC236}">
+                <a16:creationId xmlns:a16="http://schemas.microsoft.com/office/drawing/2014/main" id="{B25C4458-CBF0-5E06-787F-4892B74A31E6}"/>
+              </a:ext>
+            </a:extLst>
+          </p:cNvPr>
+          <p:cNvCxnSpPr>
+            <a:cxnSpLocks/>
+          </p:cNvCxnSpPr>
+          <p:nvPr/>
+        </p:nvCxnSpPr>
+        <p:spPr>
+          <a:xfrm>
+            <a:off x="1988119" y="3403755"/>
+            <a:ext cx="4820895" cy="0"/>
+          </a:xfrm>
+          <a:prstGeom prst="straightConnector1">
+            <a:avLst/>
+          </a:prstGeom>
+          <a:ln>
+            <a:solidFill>
+              <a:schemeClr val="tx1"/>
+            </a:solidFill>
+            <a:tailEnd type="triangle"/>
+          </a:ln>
+        </p:spPr>
+        <p:style>
+          <a:lnRef idx="1">
+            <a:schemeClr val="accent1"/>
+          </a:lnRef>
+          <a:fillRef idx="0">
+            <a:schemeClr val="accent1"/>
+          </a:fillRef>
+          <a:effectRef idx="0">
+            <a:schemeClr val="accent1"/>
+          </a:effectRef>
+          <a:fontRef idx="minor">
+            <a:schemeClr val="tx1"/>
+          </a:fontRef>
+        </p:style>
+      </p:cxnSp>
+      <p:sp>
+        <p:nvSpPr>
+          <p:cNvPr id="21" name="Oval 20">
+            <a:extLst>
+              <a:ext uri="{FF2B5EF4-FFF2-40B4-BE49-F238E27FC236}">
+                <a16:creationId xmlns:a16="http://schemas.microsoft.com/office/drawing/2014/main" id="{2B7B2B15-F0C5-E773-E465-E7197A09F5A0}"/>
+              </a:ext>
+            </a:extLst>
+          </p:cNvPr>
+          <p:cNvSpPr/>
+          <p:nvPr/>
+        </p:nvSpPr>
+        <p:spPr>
+          <a:xfrm>
+            <a:off x="1741242" y="4459864"/>
+            <a:ext cx="512102" cy="512102"/>
+          </a:xfrm>
+          <a:prstGeom prst="ellipse">
+            <a:avLst/>
+          </a:prstGeom>
+          <a:solidFill>
+            <a:schemeClr val="bg1"/>
+          </a:solidFill>
+          <a:ln>
+            <a:solidFill>
+              <a:schemeClr val="tx1"/>
+            </a:solidFill>
+          </a:ln>
+        </p:spPr>
+        <p:style>
+          <a:lnRef idx="2">
+            <a:schemeClr val="accent1">
+              <a:shade val="50000"/>
+            </a:schemeClr>
+          </a:lnRef>
+          <a:fillRef idx="1">
+            <a:schemeClr val="accent1"/>
+          </a:fillRef>
+          <a:effectRef idx="0">
+            <a:schemeClr val="accent1"/>
+          </a:effectRef>
+          <a:fontRef idx="minor">
+            <a:schemeClr val="lt1"/>
+          </a:fontRef>
+        </p:style>
+        <p:txBody>
+          <a:bodyPr rtlCol="0" anchor="ctr"/>
+          <a:lstStyle/>
+          <a:p>
+            <a:pPr algn="ctr"/>
+            <a:endParaRPr lang="en-CO" sz="1600" dirty="0">
+              <a:solidFill>
+                <a:schemeClr val="tx1"/>
+              </a:solidFill>
+            </a:endParaRPr>
+          </a:p>
+        </p:txBody>
+      </p:sp>
+      <p:cxnSp>
+        <p:nvCxnSpPr>
+          <p:cNvPr id="22" name="Straight Arrow Connector 21">
+            <a:extLst>
+              <a:ext uri="{FF2B5EF4-FFF2-40B4-BE49-F238E27FC236}">
+                <a16:creationId xmlns:a16="http://schemas.microsoft.com/office/drawing/2014/main" id="{B1A2E9FE-6766-891A-5F69-F05BE3FE692B}"/>
+              </a:ext>
+            </a:extLst>
+          </p:cNvPr>
+          <p:cNvCxnSpPr>
+            <a:stCxn id="21" idx="6"/>
+          </p:cNvCxnSpPr>
+          <p:nvPr/>
+        </p:nvCxnSpPr>
+        <p:spPr>
+          <a:xfrm>
+            <a:off x="2253344" y="4715915"/>
+            <a:ext cx="4555670" cy="0"/>
+          </a:xfrm>
+          <a:prstGeom prst="straightConnector1">
+            <a:avLst/>
+          </a:prstGeom>
+          <a:ln w="76200">
+            <a:solidFill>
+              <a:schemeClr val="accent5"/>
+            </a:solidFill>
+            <a:tailEnd type="triangle"/>
+          </a:ln>
+        </p:spPr>
+        <p:style>
+          <a:lnRef idx="1">
+            <a:schemeClr val="accent1"/>
+          </a:lnRef>
+          <a:fillRef idx="0">
+            <a:schemeClr val="accent1"/>
+          </a:fillRef>
+          <a:effectRef idx="0">
+            <a:schemeClr val="accent1"/>
+          </a:effectRef>
+          <a:fontRef idx="minor">
+            <a:schemeClr val="tx1"/>
+          </a:fontRef>
+        </p:style>
+      </p:cxnSp>
+      <p:sp>
+        <p:nvSpPr>
+          <p:cNvPr id="3" name="TextBox 2">
+            <a:extLst>
+              <a:ext uri="{FF2B5EF4-FFF2-40B4-BE49-F238E27FC236}">
+                <a16:creationId xmlns:a16="http://schemas.microsoft.com/office/drawing/2014/main" id="{228791E9-376B-A0AB-3333-6898E0B678D0}"/>
+              </a:ext>
+            </a:extLst>
+          </p:cNvPr>
           <p:cNvSpPr txBox="1"/>
           <p:nvPr/>
         </p:nvSpPr>
         <p:spPr>
           <a:xfrm>
-            <a:off x="7295949" y="2800952"/>
-            <a:ext cx="2213811" cy="375385"/>
+            <a:off x="3105323" y="2729608"/>
+            <a:ext cx="2329543" cy="646331"/>
           </a:xfrm>
           <a:prstGeom prst="rect">
             <a:avLst/>
@@ -27784,24 +28776,101 @@
           </a:bodyPr>
           <a:lstStyle/>
           <a:p>
-            <a:r>
-              <a:rPr lang="es-ES" dirty="0"/>
-              <a:t>192.168.200.56</a:t>
-            </a:r>
-            <a:endParaRPr lang="es-CO" dirty="0"/>
-          </a:p>
-        </p:txBody>
-      </p:sp>
-      <p:sp>
-        <p:nvSpPr>
-          <p:cNvPr id="23" name="CuadroTexto 22"/>
+            <a:pPr algn="ctr"/>
+            <a:r>
+              <a:rPr lang="en-CO" b="1" dirty="0">
+                <a:solidFill>
+                  <a:schemeClr val="tx2">
+                    <a:lumMod val="75000"/>
+                  </a:schemeClr>
+                </a:solidFill>
+              </a:rPr>
+              <a:t>Solicitud de conexión</a:t>
+            </a:r>
+          </a:p>
+          <a:p>
+            <a:pPr algn="ctr"/>
+            <a:r>
+              <a:rPr lang="en-CO" dirty="0"/>
+              <a:t>192.168.0.15:5000</a:t>
+            </a:r>
+          </a:p>
+        </p:txBody>
+      </p:sp>
+      <p:sp>
+        <p:nvSpPr>
+          <p:cNvPr id="26" name="Oval 25">
+            <a:extLst>
+              <a:ext uri="{FF2B5EF4-FFF2-40B4-BE49-F238E27FC236}">
+                <a16:creationId xmlns:a16="http://schemas.microsoft.com/office/drawing/2014/main" id="{3778419C-B314-C338-EFEE-AF7CDB78C3DC}"/>
+              </a:ext>
+            </a:extLst>
+          </p:cNvPr>
+          <p:cNvSpPr/>
+          <p:nvPr/>
+        </p:nvSpPr>
+        <p:spPr>
+          <a:xfrm>
+            <a:off x="6552963" y="4444843"/>
+            <a:ext cx="512102" cy="512102"/>
+          </a:xfrm>
+          <a:prstGeom prst="ellipse">
+            <a:avLst/>
+          </a:prstGeom>
+          <a:solidFill>
+            <a:schemeClr val="bg1"/>
+          </a:solidFill>
+          <a:ln>
+            <a:solidFill>
+              <a:schemeClr val="tx1"/>
+            </a:solidFill>
+          </a:ln>
+        </p:spPr>
+        <p:style>
+          <a:lnRef idx="2">
+            <a:schemeClr val="accent1">
+              <a:shade val="50000"/>
+            </a:schemeClr>
+          </a:lnRef>
+          <a:fillRef idx="1">
+            <a:schemeClr val="accent1"/>
+          </a:fillRef>
+          <a:effectRef idx="0">
+            <a:schemeClr val="accent1"/>
+          </a:effectRef>
+          <a:fontRef idx="minor">
+            <a:schemeClr val="lt1"/>
+          </a:fontRef>
+        </p:style>
+        <p:txBody>
+          <a:bodyPr rtlCol="0" anchor="ctr"/>
+          <a:lstStyle/>
+          <a:p>
+            <a:pPr algn="ctr"/>
+            <a:endParaRPr lang="en-CO" sz="1600" dirty="0">
+              <a:solidFill>
+                <a:schemeClr val="tx1"/>
+              </a:solidFill>
+            </a:endParaRPr>
+          </a:p>
+        </p:txBody>
+      </p:sp>
+      <p:sp>
+        <p:nvSpPr>
+          <p:cNvPr id="31" name="TextBox 30">
+            <a:extLst>
+              <a:ext uri="{FF2B5EF4-FFF2-40B4-BE49-F238E27FC236}">
+                <a16:creationId xmlns:a16="http://schemas.microsoft.com/office/drawing/2014/main" id="{BE9073A4-6800-68A9-23CF-DD0519FE54B1}"/>
+              </a:ext>
+            </a:extLst>
+          </p:cNvPr>
           <p:cNvSpPr txBox="1"/>
           <p:nvPr/>
         </p:nvSpPr>
         <p:spPr>
           <a:xfrm>
-            <a:off x="7295949" y="3787539"/>
-            <a:ext cx="2213811" cy="375385"/>
+            <a:off x="832521" y="4999782"/>
+            <a:ext cx="2329543" cy="646331"/>
           </a:xfrm>
           <a:prstGeom prst="rect">
             <a:avLst/>
@@ -27814,24 +28883,43 @@
           </a:bodyPr>
           <a:lstStyle/>
           <a:p>
-            <a:r>
-              <a:rPr lang="es-ES" dirty="0"/>
-              <a:t>192.168.200.18</a:t>
-            </a:r>
-            <a:endParaRPr lang="es-CO" dirty="0"/>
-          </a:p>
-        </p:txBody>
-      </p:sp>
-      <p:sp>
-        <p:nvSpPr>
-          <p:cNvPr id="25" name="CuadroTexto 24"/>
+            <a:pPr algn="ctr"/>
+            <a:r>
+              <a:rPr lang="en-CO" b="1" dirty="0">
+                <a:solidFill>
+                  <a:schemeClr val="tx2">
+                    <a:lumMod val="75000"/>
+                  </a:schemeClr>
+                </a:solidFill>
+              </a:rPr>
+              <a:t>Socket</a:t>
+            </a:r>
+          </a:p>
+          <a:p>
+            <a:pPr algn="ctr"/>
+            <a:r>
+              <a:rPr lang="en-CO" dirty="0"/>
+              <a:t>Destination Port: 5000</a:t>
+            </a:r>
+          </a:p>
+        </p:txBody>
+      </p:sp>
+      <p:sp>
+        <p:nvSpPr>
+          <p:cNvPr id="33" name="TextBox 32">
+            <a:extLst>
+              <a:ext uri="{FF2B5EF4-FFF2-40B4-BE49-F238E27FC236}">
+                <a16:creationId xmlns:a16="http://schemas.microsoft.com/office/drawing/2014/main" id="{830DDA11-F46F-0CDE-039D-96E8763FEAEC}"/>
+              </a:ext>
+            </a:extLst>
+          </p:cNvPr>
           <p:cNvSpPr txBox="1"/>
           <p:nvPr/>
         </p:nvSpPr>
         <p:spPr>
           <a:xfrm>
-            <a:off x="7295949" y="4726000"/>
-            <a:ext cx="2213811" cy="375385"/>
+            <a:off x="5587092" y="4999782"/>
+            <a:ext cx="2443844" cy="646331"/>
           </a:xfrm>
           <a:prstGeom prst="rect">
             <a:avLst/>
@@ -27844,24 +28932,43 @@
           </a:bodyPr>
           <a:lstStyle/>
           <a:p>
-            <a:r>
-              <a:rPr lang="es-ES" dirty="0"/>
-              <a:t>192.168.200.15</a:t>
-            </a:r>
-            <a:endParaRPr lang="es-CO" dirty="0"/>
-          </a:p>
-        </p:txBody>
-      </p:sp>
-      <p:sp>
-        <p:nvSpPr>
-          <p:cNvPr id="26" name="CuadroTexto 25"/>
+            <a:pPr algn="ctr"/>
+            <a:r>
+              <a:rPr lang="en-CO" b="1" dirty="0">
+                <a:solidFill>
+                  <a:schemeClr val="tx2">
+                    <a:lumMod val="75000"/>
+                  </a:schemeClr>
+                </a:solidFill>
+              </a:rPr>
+              <a:t>Socket</a:t>
+            </a:r>
+          </a:p>
+          <a:p>
+            <a:pPr algn="ctr"/>
+            <a:r>
+              <a:rPr lang="en-CO" dirty="0"/>
+              <a:t>Destination Port: 49124</a:t>
+            </a:r>
+          </a:p>
+        </p:txBody>
+      </p:sp>
+      <p:sp>
+        <p:nvSpPr>
+          <p:cNvPr id="8" name="TextBox 7">
+            <a:extLst>
+              <a:ext uri="{FF2B5EF4-FFF2-40B4-BE49-F238E27FC236}">
+                <a16:creationId xmlns:a16="http://schemas.microsoft.com/office/drawing/2014/main" id="{1ACCFC09-4911-4302-427C-23CC76E36A04}"/>
+              </a:ext>
+            </a:extLst>
+          </p:cNvPr>
           <p:cNvSpPr txBox="1"/>
           <p:nvPr/>
         </p:nvSpPr>
         <p:spPr>
           <a:xfrm>
-            <a:off x="2876349" y="2800952"/>
-            <a:ext cx="2213811" cy="375385"/>
+            <a:off x="3234267" y="4331562"/>
+            <a:ext cx="2329543" cy="369332"/>
           </a:xfrm>
           <a:prstGeom prst="rect">
             <a:avLst/>
@@ -27874,299 +28981,25 @@
           </a:bodyPr>
           <a:lstStyle/>
           <a:p>
-            <a:pPr algn="r"/>
-            <a:r>
-              <a:rPr lang="es-ES" dirty="0"/>
-              <a:t>192.168.200.53</a:t>
-            </a:r>
-            <a:endParaRPr lang="es-CO" dirty="0"/>
-          </a:p>
-        </p:txBody>
-      </p:sp>
-      <p:sp>
-        <p:nvSpPr>
-          <p:cNvPr id="28" name="CuadroTexto 27"/>
-          <p:cNvSpPr txBox="1"/>
-          <p:nvPr/>
-        </p:nvSpPr>
-        <p:spPr>
-          <a:xfrm>
-            <a:off x="2876349" y="3787539"/>
-            <a:ext cx="2213811" cy="375385"/>
-          </a:xfrm>
-          <a:prstGeom prst="rect">
-            <a:avLst/>
-          </a:prstGeom>
-          <a:noFill/>
-        </p:spPr>
-        <p:txBody>
-          <a:bodyPr wrap="square" rtlCol="0">
-            <a:spAutoFit/>
-          </a:bodyPr>
-          <a:lstStyle/>
-          <a:p>
-            <a:pPr algn="r"/>
-            <a:r>
-              <a:rPr lang="es-ES" dirty="0"/>
-              <a:t>192.168.200.25</a:t>
-            </a:r>
-            <a:endParaRPr lang="es-CO" dirty="0"/>
-          </a:p>
-        </p:txBody>
-      </p:sp>
-      <p:sp>
-        <p:nvSpPr>
-          <p:cNvPr id="29" name="CuadroTexto 28"/>
-          <p:cNvSpPr txBox="1"/>
-          <p:nvPr/>
-        </p:nvSpPr>
-        <p:spPr>
-          <a:xfrm>
-            <a:off x="2876349" y="4726000"/>
-            <a:ext cx="2213811" cy="375385"/>
-          </a:xfrm>
-          <a:prstGeom prst="rect">
-            <a:avLst/>
-          </a:prstGeom>
-          <a:noFill/>
-        </p:spPr>
-        <p:txBody>
-          <a:bodyPr wrap="square" rtlCol="0">
-            <a:spAutoFit/>
-          </a:bodyPr>
-          <a:lstStyle/>
-          <a:p>
-            <a:pPr algn="r"/>
-            <a:r>
-              <a:rPr lang="es-ES" dirty="0"/>
-              <a:t>192.168.200.115</a:t>
-            </a:r>
-            <a:endParaRPr lang="es-CO" dirty="0"/>
-          </a:p>
-        </p:txBody>
-      </p:sp>
-      <p:sp>
-        <p:nvSpPr>
-          <p:cNvPr id="30" name="CuadroTexto 29"/>
-          <p:cNvSpPr txBox="1"/>
-          <p:nvPr/>
-        </p:nvSpPr>
-        <p:spPr>
-          <a:xfrm>
-            <a:off x="5282665" y="1830487"/>
-            <a:ext cx="2213811" cy="646331"/>
-          </a:xfrm>
-          <a:prstGeom prst="rect">
-            <a:avLst/>
-          </a:prstGeom>
-          <a:noFill/>
-        </p:spPr>
-        <p:txBody>
-          <a:bodyPr wrap="square" rtlCol="0">
-            <a:spAutoFit/>
-          </a:bodyPr>
-          <a:lstStyle/>
-          <a:p>
-            <a:r>
-              <a:rPr lang="es-ES" dirty="0"/>
-              <a:t>Máscara: 255.255.255.0</a:t>
-            </a:r>
-            <a:endParaRPr lang="es-CO" dirty="0"/>
-          </a:p>
-        </p:txBody>
-      </p:sp>
-      <p:sp>
-        <p:nvSpPr>
-          <p:cNvPr id="21" name="CuadroTexto 20"/>
-          <p:cNvSpPr txBox="1"/>
-          <p:nvPr/>
-        </p:nvSpPr>
-        <p:spPr>
-          <a:xfrm>
-            <a:off x="4940968" y="5533801"/>
-            <a:ext cx="2704700" cy="646331"/>
-          </a:xfrm>
-          <a:prstGeom prst="rect">
-            <a:avLst/>
-          </a:prstGeom>
-          <a:noFill/>
-        </p:spPr>
-        <p:txBody>
-          <a:bodyPr wrap="square" rtlCol="0">
-            <a:spAutoFit/>
-          </a:bodyPr>
-          <a:lstStyle/>
-          <a:p>
-            <a:r>
-              <a:rPr lang="es-ES" dirty="0"/>
-              <a:t>La dirección de subred es</a:t>
-            </a:r>
-          </a:p>
-          <a:p>
-            <a:r>
-              <a:rPr lang="es-ES" dirty="0"/>
-              <a:t>192.168.200.0 / 24</a:t>
-            </a:r>
-            <a:endParaRPr lang="es-CO" dirty="0"/>
-          </a:p>
-        </p:txBody>
-      </p:sp>
-      <p:sp>
-        <p:nvSpPr>
-          <p:cNvPr id="18" name="CuadroTexto 17"/>
-          <p:cNvSpPr txBox="1"/>
-          <p:nvPr/>
-        </p:nvSpPr>
-        <p:spPr>
-          <a:xfrm>
-            <a:off x="268615" y="2476818"/>
-            <a:ext cx="2978664" cy="2585323"/>
-          </a:xfrm>
-          <a:prstGeom prst="rect">
-            <a:avLst/>
-          </a:prstGeom>
-          <a:noFill/>
-        </p:spPr>
-        <p:txBody>
-          <a:bodyPr wrap="square" rtlCol="0">
-            <a:spAutoFit/>
-          </a:bodyPr>
-          <a:lstStyle/>
-          <a:p>
-            <a:r>
-              <a:rPr lang="es-ES" dirty="0">
+            <a:pPr algn="ctr"/>
+            <a:r>
+              <a:rPr lang="en-CO" b="1" dirty="0">
                 <a:solidFill>
-                  <a:srgbClr val="7030A0"/>
+                  <a:schemeClr val="tx2">
+                    <a:lumMod val="75000"/>
+                  </a:schemeClr>
                 </a:solidFill>
               </a:rPr>
-              <a:t>Si multiplico bit a bit la máscara de subred con una dirección IP de host cualquiera, el resultado es la dirección de subred:</a:t>
-            </a:r>
-          </a:p>
-          <a:p>
-            <a:endParaRPr lang="es-ES" dirty="0">
-              <a:solidFill>
-                <a:srgbClr val="7030A0"/>
-              </a:solidFill>
-            </a:endParaRPr>
-          </a:p>
-          <a:p>
-            <a:r>
-              <a:rPr lang="es-ES" dirty="0">
-                <a:solidFill>
-                  <a:srgbClr val="7030A0"/>
-                </a:solidFill>
-              </a:rPr>
-              <a:t>      255.255.255.0</a:t>
-            </a:r>
-          </a:p>
-          <a:p>
-            <a:r>
-              <a:rPr lang="es-ES" dirty="0">
-                <a:solidFill>
-                  <a:srgbClr val="7030A0"/>
-                </a:solidFill>
-              </a:rPr>
-              <a:t>   * </a:t>
-            </a:r>
-            <a:r>
-              <a:rPr lang="es-ES" u="sng" dirty="0">
-                <a:solidFill>
-                  <a:srgbClr val="7030A0"/>
-                </a:solidFill>
-              </a:rPr>
-              <a:t>192.168.200.53</a:t>
-            </a:r>
-          </a:p>
-          <a:p>
-            <a:r>
-              <a:rPr lang="es-ES" dirty="0">
-                <a:solidFill>
-                  <a:srgbClr val="7030A0"/>
-                </a:solidFill>
-              </a:rPr>
-              <a:t>      192.168.200.0</a:t>
-            </a:r>
-            <a:endParaRPr lang="es-CO" dirty="0">
-              <a:solidFill>
-                <a:srgbClr val="7030A0"/>
-              </a:solidFill>
-            </a:endParaRPr>
-          </a:p>
-        </p:txBody>
-      </p:sp>
-      <p:cxnSp>
-        <p:nvCxnSpPr>
-          <p:cNvPr id="4" name="Conector angular 3"/>
-          <p:cNvCxnSpPr>
-            <a:stCxn id="18" idx="2"/>
-            <a:endCxn id="21" idx="1"/>
-          </p:cNvCxnSpPr>
-          <p:nvPr/>
-        </p:nvCxnSpPr>
-        <p:spPr>
-          <a:xfrm rot="16200000" flipH="1">
-            <a:off x="2952044" y="3868043"/>
-            <a:ext cx="794826" cy="3183021"/>
-          </a:xfrm>
-          <a:prstGeom prst="bentConnector2">
-            <a:avLst/>
-          </a:prstGeom>
-          <a:ln>
-            <a:solidFill>
-              <a:srgbClr val="7030A0"/>
-            </a:solidFill>
-            <a:tailEnd type="triangle"/>
-          </a:ln>
-        </p:spPr>
-        <p:style>
-          <a:lnRef idx="1">
-            <a:schemeClr val="accent1"/>
-          </a:lnRef>
-          <a:fillRef idx="0">
-            <a:schemeClr val="accent1"/>
-          </a:fillRef>
-          <a:effectRef idx="0">
-            <a:schemeClr val="accent1"/>
-          </a:effectRef>
-          <a:fontRef idx="minor">
-            <a:schemeClr val="tx1"/>
-          </a:fontRef>
-        </p:style>
-      </p:cxnSp>
-      <p:sp>
-        <p:nvSpPr>
-          <p:cNvPr id="24" name="CuadroTexto 23"/>
-          <p:cNvSpPr txBox="1"/>
-          <p:nvPr/>
-        </p:nvSpPr>
-        <p:spPr>
-          <a:xfrm>
-            <a:off x="2577965" y="5856966"/>
-            <a:ext cx="2213811" cy="375385"/>
-          </a:xfrm>
-          <a:prstGeom prst="rect">
-            <a:avLst/>
-          </a:prstGeom>
-          <a:noFill/>
-        </p:spPr>
-        <p:txBody>
-          <a:bodyPr wrap="square" rtlCol="0">
-            <a:spAutoFit/>
-          </a:bodyPr>
-          <a:lstStyle/>
-          <a:p>
-            <a:r>
-              <a:rPr lang="es-ES" dirty="0"/>
-              <a:t>Por lo tanto</a:t>
-            </a:r>
-            <a:endParaRPr lang="es-CO" dirty="0"/>
+              <a:t>Trasnferencia de datos</a:t>
+            </a:r>
+            <a:endParaRPr lang="en-CO" dirty="0"/>
           </a:p>
         </p:txBody>
       </p:sp>
     </p:spTree>
     <p:extLst>
       <p:ext uri="{BB962C8B-B14F-4D97-AF65-F5344CB8AC3E}">
-        <p14:creationId xmlns:p14="http://schemas.microsoft.com/office/powerpoint/2010/main" val="3155481028"/>
+        <p14:creationId xmlns:p14="http://schemas.microsoft.com/office/powerpoint/2010/main" val="4109125030"/>
       </p:ext>
     </p:extLst>
   </p:cSld>
@@ -28216,7 +29049,7 @@
           <a:p>
             <a:r>
               <a:rPr lang="en-CO" dirty="0"/>
-              <a:t>RED DE SALAS CÓMPUTO</a:t>
+              <a:t>RED DOMÉSTICA</a:t>
             </a:r>
           </a:p>
         </p:txBody>
@@ -28249,7 +29082,7 @@
     </p:spTree>
     <p:extLst>
       <p:ext uri="{BB962C8B-B14F-4D97-AF65-F5344CB8AC3E}">
-        <p14:creationId xmlns:p14="http://schemas.microsoft.com/office/powerpoint/2010/main" val="888311744"/>
+        <p14:creationId xmlns:p14="http://schemas.microsoft.com/office/powerpoint/2010/main" val="3304760042"/>
       </p:ext>
     </p:extLst>
   </p:cSld>
@@ -28293,7 +29126,7 @@
           <a:p>
             <a:r>
               <a:rPr lang="es-ES" dirty="0"/>
-              <a:t>¿Cuál es la dirección de subred? </a:t>
+              <a:t>¿Cuál es la dirección de subred?</a:t>
             </a:r>
             <a:endParaRPr lang="es-CO" dirty="0"/>
           </a:p>
@@ -28301,7 +29134,7 @@
       </p:sp>
       <p:sp>
         <p:nvSpPr>
-          <p:cNvPr id="4" name="Rectángulo 3"/>
+          <p:cNvPr id="5" name="Rectángulo 4"/>
           <p:cNvSpPr/>
           <p:nvPr/>
         </p:nvSpPr>
@@ -28345,7 +29178,7 @@
       </p:sp>
       <p:sp>
         <p:nvSpPr>
-          <p:cNvPr id="5" name="Rectángulo 4"/>
+          <p:cNvPr id="16" name="Rectángulo 15"/>
           <p:cNvSpPr/>
           <p:nvPr/>
         </p:nvSpPr>
@@ -28389,7 +29222,7 @@
       </p:sp>
       <p:sp>
         <p:nvSpPr>
-          <p:cNvPr id="6" name="Rectángulo 5"/>
+          <p:cNvPr id="17" name="Rectángulo 16"/>
           <p:cNvSpPr/>
           <p:nvPr/>
         </p:nvSpPr>
@@ -28433,7 +29266,7 @@
       </p:sp>
       <p:sp>
         <p:nvSpPr>
-          <p:cNvPr id="7" name="Rectángulo 6"/>
+          <p:cNvPr id="19" name="Rectángulo 18"/>
           <p:cNvSpPr/>
           <p:nvPr/>
         </p:nvSpPr>
@@ -28477,7 +29310,7 @@
       </p:sp>
       <p:sp>
         <p:nvSpPr>
-          <p:cNvPr id="8" name="Rectángulo 7"/>
+          <p:cNvPr id="20" name="Rectángulo 19"/>
           <p:cNvSpPr/>
           <p:nvPr/>
         </p:nvSpPr>
@@ -28521,7 +29354,7 @@
       </p:sp>
       <p:sp>
         <p:nvSpPr>
-          <p:cNvPr id="9" name="Rectángulo 8"/>
+          <p:cNvPr id="22" name="Rectángulo 21"/>
           <p:cNvSpPr/>
           <p:nvPr/>
         </p:nvSpPr>
@@ -28565,7 +29398,7 @@
       </p:sp>
       <p:sp>
         <p:nvSpPr>
-          <p:cNvPr id="10" name="CuadroTexto 9"/>
+          <p:cNvPr id="7" name="CuadroTexto 6"/>
           <p:cNvSpPr txBox="1"/>
           <p:nvPr/>
         </p:nvSpPr>
@@ -28587,7 +29420,7 @@
           <a:p>
             <a:r>
               <a:rPr lang="es-ES" dirty="0"/>
-              <a:t>192.168.204.56</a:t>
+              <a:t>192.168.200.56</a:t>
             </a:r>
             <a:endParaRPr lang="es-CO" dirty="0"/>
           </a:p>
@@ -28595,7 +29428,7 @@
       </p:sp>
       <p:sp>
         <p:nvSpPr>
-          <p:cNvPr id="11" name="CuadroTexto 10"/>
+          <p:cNvPr id="23" name="CuadroTexto 22"/>
           <p:cNvSpPr txBox="1"/>
           <p:nvPr/>
         </p:nvSpPr>
@@ -28617,7 +29450,7 @@
           <a:p>
             <a:r>
               <a:rPr lang="es-ES" dirty="0"/>
-              <a:t>192.168.207.18</a:t>
+              <a:t>192.168.200.18</a:t>
             </a:r>
             <a:endParaRPr lang="es-CO" dirty="0"/>
           </a:p>
@@ -28625,7 +29458,7 @@
       </p:sp>
       <p:sp>
         <p:nvSpPr>
-          <p:cNvPr id="12" name="CuadroTexto 11"/>
+          <p:cNvPr id="25" name="CuadroTexto 24"/>
           <p:cNvSpPr txBox="1"/>
           <p:nvPr/>
         </p:nvSpPr>
@@ -28647,7 +29480,7 @@
           <a:p>
             <a:r>
               <a:rPr lang="es-ES" dirty="0"/>
-              <a:t>192.168.205.15</a:t>
+              <a:t>192.168.200.15</a:t>
             </a:r>
             <a:endParaRPr lang="es-CO" dirty="0"/>
           </a:p>
@@ -28655,7 +29488,7 @@
       </p:sp>
       <p:sp>
         <p:nvSpPr>
-          <p:cNvPr id="13" name="CuadroTexto 12"/>
+          <p:cNvPr id="26" name="CuadroTexto 25"/>
           <p:cNvSpPr txBox="1"/>
           <p:nvPr/>
         </p:nvSpPr>
@@ -28678,7 +29511,7 @@
             <a:pPr algn="r"/>
             <a:r>
               <a:rPr lang="es-ES" dirty="0"/>
-              <a:t>192.168.223.53</a:t>
+              <a:t>192.168.200.53</a:t>
             </a:r>
             <a:endParaRPr lang="es-CO" dirty="0"/>
           </a:p>
@@ -28686,7 +29519,7 @@
       </p:sp>
       <p:sp>
         <p:nvSpPr>
-          <p:cNvPr id="14" name="CuadroTexto 13"/>
+          <p:cNvPr id="28" name="CuadroTexto 27"/>
           <p:cNvSpPr txBox="1"/>
           <p:nvPr/>
         </p:nvSpPr>
@@ -28709,7 +29542,7 @@
             <a:pPr algn="r"/>
             <a:r>
               <a:rPr lang="es-ES" dirty="0"/>
-              <a:t>192.168.213.25</a:t>
+              <a:t>192.168.200.25</a:t>
             </a:r>
             <a:endParaRPr lang="es-CO" dirty="0"/>
           </a:p>
@@ -28717,7 +29550,7 @@
       </p:sp>
       <p:sp>
         <p:nvSpPr>
-          <p:cNvPr id="15" name="CuadroTexto 14"/>
+          <p:cNvPr id="29" name="CuadroTexto 28"/>
           <p:cNvSpPr txBox="1"/>
           <p:nvPr/>
         </p:nvSpPr>
@@ -28740,7 +29573,7 @@
             <a:pPr algn="r"/>
             <a:r>
               <a:rPr lang="es-ES" dirty="0"/>
-              <a:t>192.168.220.115</a:t>
+              <a:t>192.168.200.115</a:t>
             </a:r>
             <a:endParaRPr lang="es-CO" dirty="0"/>
           </a:p>
@@ -28748,7 +29581,7 @@
       </p:sp>
       <p:sp>
         <p:nvSpPr>
-          <p:cNvPr id="16" name="CuadroTexto 15"/>
+          <p:cNvPr id="30" name="CuadroTexto 29"/>
           <p:cNvSpPr txBox="1"/>
           <p:nvPr/>
         </p:nvSpPr>
@@ -28770,7 +29603,7 @@
           <a:p>
             <a:r>
               <a:rPr lang="es-ES" dirty="0"/>
-              <a:t>Máscara: 255.255.224.0</a:t>
+              <a:t>Máscara: 255.255.255.0</a:t>
             </a:r>
             <a:endParaRPr lang="es-CO" dirty="0"/>
           </a:p>
@@ -28779,7 +29612,7 @@
     </p:spTree>
     <p:extLst>
       <p:ext uri="{BB962C8B-B14F-4D97-AF65-F5344CB8AC3E}">
-        <p14:creationId xmlns:p14="http://schemas.microsoft.com/office/powerpoint/2010/main" val="108830445"/>
+        <p14:creationId xmlns:p14="http://schemas.microsoft.com/office/powerpoint/2010/main" val="68901941"/>
       </p:ext>
     </p:extLst>
   </p:cSld>
@@ -28831,7 +29664,7 @@
       </p:sp>
       <p:sp>
         <p:nvSpPr>
-          <p:cNvPr id="4" name="Rectángulo 3"/>
+          <p:cNvPr id="5" name="Rectángulo 4"/>
           <p:cNvSpPr/>
           <p:nvPr/>
         </p:nvSpPr>
@@ -28875,7 +29708,7 @@
       </p:sp>
       <p:sp>
         <p:nvSpPr>
-          <p:cNvPr id="5" name="Rectángulo 4"/>
+          <p:cNvPr id="16" name="Rectángulo 15"/>
           <p:cNvSpPr/>
           <p:nvPr/>
         </p:nvSpPr>
@@ -28919,7 +29752,7 @@
       </p:sp>
       <p:sp>
         <p:nvSpPr>
-          <p:cNvPr id="6" name="Rectángulo 5"/>
+          <p:cNvPr id="17" name="Rectángulo 16"/>
           <p:cNvSpPr/>
           <p:nvPr/>
         </p:nvSpPr>
@@ -28963,7 +29796,7 @@
       </p:sp>
       <p:sp>
         <p:nvSpPr>
-          <p:cNvPr id="7" name="Rectángulo 6"/>
+          <p:cNvPr id="19" name="Rectángulo 18"/>
           <p:cNvSpPr/>
           <p:nvPr/>
         </p:nvSpPr>
@@ -29007,7 +29840,7 @@
       </p:sp>
       <p:sp>
         <p:nvSpPr>
-          <p:cNvPr id="8" name="Rectángulo 7"/>
+          <p:cNvPr id="20" name="Rectángulo 19"/>
           <p:cNvSpPr/>
           <p:nvPr/>
         </p:nvSpPr>
@@ -29051,7 +29884,7 @@
       </p:sp>
       <p:sp>
         <p:nvSpPr>
-          <p:cNvPr id="9" name="Rectángulo 8"/>
+          <p:cNvPr id="22" name="Rectángulo 21"/>
           <p:cNvSpPr/>
           <p:nvPr/>
         </p:nvSpPr>
@@ -29095,7 +29928,7 @@
       </p:sp>
       <p:sp>
         <p:nvSpPr>
-          <p:cNvPr id="10" name="CuadroTexto 9"/>
+          <p:cNvPr id="7" name="CuadroTexto 6"/>
           <p:cNvSpPr txBox="1"/>
           <p:nvPr/>
         </p:nvSpPr>
@@ -29117,7 +29950,7 @@
           <a:p>
             <a:r>
               <a:rPr lang="es-ES" dirty="0"/>
-              <a:t>192.168.204.56</a:t>
+              <a:t>192.168.200.56</a:t>
             </a:r>
             <a:endParaRPr lang="es-CO" dirty="0"/>
           </a:p>
@@ -29125,7 +29958,7 @@
       </p:sp>
       <p:sp>
         <p:nvSpPr>
-          <p:cNvPr id="11" name="CuadroTexto 10"/>
+          <p:cNvPr id="23" name="CuadroTexto 22"/>
           <p:cNvSpPr txBox="1"/>
           <p:nvPr/>
         </p:nvSpPr>
@@ -29147,7 +29980,7 @@
           <a:p>
             <a:r>
               <a:rPr lang="es-ES" dirty="0"/>
-              <a:t>192.168.207.18</a:t>
+              <a:t>192.168.200.18</a:t>
             </a:r>
             <a:endParaRPr lang="es-CO" dirty="0"/>
           </a:p>
@@ -29155,7 +29988,7 @@
       </p:sp>
       <p:sp>
         <p:nvSpPr>
-          <p:cNvPr id="12" name="CuadroTexto 11"/>
+          <p:cNvPr id="25" name="CuadroTexto 24"/>
           <p:cNvSpPr txBox="1"/>
           <p:nvPr/>
         </p:nvSpPr>
@@ -29177,7 +30010,7 @@
           <a:p>
             <a:r>
               <a:rPr lang="es-ES" dirty="0"/>
-              <a:t>192.168.205.15</a:t>
+              <a:t>192.168.200.15</a:t>
             </a:r>
             <a:endParaRPr lang="es-CO" dirty="0"/>
           </a:p>
@@ -29185,7 +30018,7 @@
       </p:sp>
       <p:sp>
         <p:nvSpPr>
-          <p:cNvPr id="13" name="CuadroTexto 12"/>
+          <p:cNvPr id="26" name="CuadroTexto 25"/>
           <p:cNvSpPr txBox="1"/>
           <p:nvPr/>
         </p:nvSpPr>
@@ -29208,7 +30041,7 @@
             <a:pPr algn="r"/>
             <a:r>
               <a:rPr lang="es-ES" dirty="0"/>
-              <a:t>192.168.223.53</a:t>
+              <a:t>192.168.200.53</a:t>
             </a:r>
             <a:endParaRPr lang="es-CO" dirty="0"/>
           </a:p>
@@ -29216,7 +30049,7 @@
       </p:sp>
       <p:sp>
         <p:nvSpPr>
-          <p:cNvPr id="14" name="CuadroTexto 13"/>
+          <p:cNvPr id="28" name="CuadroTexto 27"/>
           <p:cNvSpPr txBox="1"/>
           <p:nvPr/>
         </p:nvSpPr>
@@ -29239,7 +30072,7 @@
             <a:pPr algn="r"/>
             <a:r>
               <a:rPr lang="es-ES" dirty="0"/>
-              <a:t>192.168.213.25</a:t>
+              <a:t>192.168.200.25</a:t>
             </a:r>
             <a:endParaRPr lang="es-CO" dirty="0"/>
           </a:p>
@@ -29247,7 +30080,7 @@
       </p:sp>
       <p:sp>
         <p:nvSpPr>
-          <p:cNvPr id="15" name="CuadroTexto 14"/>
+          <p:cNvPr id="29" name="CuadroTexto 28"/>
           <p:cNvSpPr txBox="1"/>
           <p:nvPr/>
         </p:nvSpPr>
@@ -29270,7 +30103,7 @@
             <a:pPr algn="r"/>
             <a:r>
               <a:rPr lang="es-ES" dirty="0"/>
-              <a:t>192.168.220.115</a:t>
+              <a:t>192.168.200.115</a:t>
             </a:r>
             <a:endParaRPr lang="es-CO" dirty="0"/>
           </a:p>
@@ -29278,7 +30111,7 @@
       </p:sp>
       <p:sp>
         <p:nvSpPr>
-          <p:cNvPr id="16" name="CuadroTexto 15"/>
+          <p:cNvPr id="30" name="CuadroTexto 29"/>
           <p:cNvSpPr txBox="1"/>
           <p:nvPr/>
         </p:nvSpPr>
@@ -29300,7 +30133,7 @@
           <a:p>
             <a:r>
               <a:rPr lang="es-ES" dirty="0"/>
-              <a:t>Máscara: 255.255.224.0</a:t>
+              <a:t>Máscara: 255.255.255.0</a:t>
             </a:r>
             <a:endParaRPr lang="es-CO" dirty="0"/>
           </a:p>
@@ -29308,14 +30141,14 @@
       </p:sp>
       <p:sp>
         <p:nvSpPr>
-          <p:cNvPr id="17" name="CuadroTexto 16"/>
+          <p:cNvPr id="18" name="CuadroTexto 17"/>
           <p:cNvSpPr txBox="1"/>
           <p:nvPr/>
         </p:nvSpPr>
         <p:spPr>
           <a:xfrm>
-            <a:off x="4940968" y="5533801"/>
-            <a:ext cx="2704700" cy="646331"/>
+            <a:off x="268615" y="2476818"/>
+            <a:ext cx="2978664" cy="2585323"/>
           </a:xfrm>
           <a:prstGeom prst="rect">
             <a:avLst/>
@@ -29329,23 +30162,70 @@
           <a:lstStyle/>
           <a:p>
             <a:r>
-              <a:rPr lang="es-ES" dirty="0"/>
-              <a:t>La dirección de subred es</a:t>
-            </a:r>
-          </a:p>
-          <a:p>
-            <a:r>
-              <a:rPr lang="es-ES" dirty="0"/>
-              <a:t>192.168.192.0 </a:t>
-            </a:r>
-            <a:endParaRPr lang="es-CO" dirty="0"/>
+              <a:rPr lang="es-ES" dirty="0">
+                <a:solidFill>
+                  <a:srgbClr val="7030A0"/>
+                </a:solidFill>
+              </a:rPr>
+              <a:t>Si multiplico bit a bit la máscara de subred con una dirección IP de host cualquiera, el resultado es la dirección de subred:</a:t>
+            </a:r>
+          </a:p>
+          <a:p>
+            <a:endParaRPr lang="es-ES" dirty="0">
+              <a:solidFill>
+                <a:srgbClr val="7030A0"/>
+              </a:solidFill>
+            </a:endParaRPr>
+          </a:p>
+          <a:p>
+            <a:r>
+              <a:rPr lang="es-ES" dirty="0">
+                <a:solidFill>
+                  <a:srgbClr val="7030A0"/>
+                </a:solidFill>
+              </a:rPr>
+              <a:t>      255.255.255.0</a:t>
+            </a:r>
+          </a:p>
+          <a:p>
+            <a:r>
+              <a:rPr lang="es-ES" dirty="0">
+                <a:solidFill>
+                  <a:srgbClr val="7030A0"/>
+                </a:solidFill>
+              </a:rPr>
+              <a:t>   * </a:t>
+            </a:r>
+            <a:r>
+              <a:rPr lang="es-ES" u="sng" dirty="0">
+                <a:solidFill>
+                  <a:srgbClr val="7030A0"/>
+                </a:solidFill>
+              </a:rPr>
+              <a:t>192.168.200.53</a:t>
+            </a:r>
+          </a:p>
+          <a:p>
+            <a:r>
+              <a:rPr lang="es-ES" dirty="0">
+                <a:solidFill>
+                  <a:srgbClr val="7030A0"/>
+                </a:solidFill>
+              </a:rPr>
+              <a:t>      192.168.200.0</a:t>
+            </a:r>
+            <a:endParaRPr lang="es-CO" dirty="0">
+              <a:solidFill>
+                <a:srgbClr val="7030A0"/>
+              </a:solidFill>
+            </a:endParaRPr>
           </a:p>
         </p:txBody>
       </p:sp>
     </p:spTree>
     <p:extLst>
       <p:ext uri="{BB962C8B-B14F-4D97-AF65-F5344CB8AC3E}">
-        <p14:creationId xmlns:p14="http://schemas.microsoft.com/office/powerpoint/2010/main" val="204944453"/>
+        <p14:creationId xmlns:p14="http://schemas.microsoft.com/office/powerpoint/2010/main" val="1840723322"/>
       </p:ext>
     </p:extLst>
   </p:cSld>
@@ -29389,6 +30269,1903 @@
           <a:p>
             <a:r>
               <a:rPr lang="es-ES" dirty="0"/>
+              <a:t>¿Cuál es la dirección de subred?</a:t>
+            </a:r>
+            <a:endParaRPr lang="es-CO" dirty="0"/>
+          </a:p>
+        </p:txBody>
+      </p:sp>
+      <p:sp>
+        <p:nvSpPr>
+          <p:cNvPr id="5" name="Rectángulo 4"/>
+          <p:cNvSpPr/>
+          <p:nvPr/>
+        </p:nvSpPr>
+        <p:spPr>
+          <a:xfrm>
+            <a:off x="5313145" y="2685448"/>
+            <a:ext cx="760396" cy="760396"/>
+          </a:xfrm>
+          <a:prstGeom prst="rect">
+            <a:avLst/>
+          </a:prstGeom>
+        </p:spPr>
+        <p:style>
+          <a:lnRef idx="2">
+            <a:schemeClr val="accent1">
+              <a:shade val="50000"/>
+            </a:schemeClr>
+          </a:lnRef>
+          <a:fillRef idx="1">
+            <a:schemeClr val="accent1"/>
+          </a:fillRef>
+          <a:effectRef idx="0">
+            <a:schemeClr val="accent1"/>
+          </a:effectRef>
+          <a:fontRef idx="minor">
+            <a:schemeClr val="lt1"/>
+          </a:fontRef>
+        </p:style>
+        <p:txBody>
+          <a:bodyPr rtlCol="0" anchor="ctr"/>
+          <a:lstStyle/>
+          <a:p>
+            <a:pPr algn="ctr"/>
+            <a:r>
+              <a:rPr lang="es-ES" dirty="0"/>
+              <a:t>PC1</a:t>
+            </a:r>
+            <a:endParaRPr lang="es-CO" dirty="0"/>
+          </a:p>
+        </p:txBody>
+      </p:sp>
+      <p:sp>
+        <p:nvSpPr>
+          <p:cNvPr id="16" name="Rectángulo 15"/>
+          <p:cNvSpPr/>
+          <p:nvPr/>
+        </p:nvSpPr>
+        <p:spPr>
+          <a:xfrm>
+            <a:off x="5313145" y="3595034"/>
+            <a:ext cx="760396" cy="760396"/>
+          </a:xfrm>
+          <a:prstGeom prst="rect">
+            <a:avLst/>
+          </a:prstGeom>
+        </p:spPr>
+        <p:style>
+          <a:lnRef idx="2">
+            <a:schemeClr val="accent1">
+              <a:shade val="50000"/>
+            </a:schemeClr>
+          </a:lnRef>
+          <a:fillRef idx="1">
+            <a:schemeClr val="accent1"/>
+          </a:fillRef>
+          <a:effectRef idx="0">
+            <a:schemeClr val="accent1"/>
+          </a:effectRef>
+          <a:fontRef idx="minor">
+            <a:schemeClr val="lt1"/>
+          </a:fontRef>
+        </p:style>
+        <p:txBody>
+          <a:bodyPr rtlCol="0" anchor="ctr"/>
+          <a:lstStyle/>
+          <a:p>
+            <a:pPr algn="ctr"/>
+            <a:r>
+              <a:rPr lang="es-ES" dirty="0"/>
+              <a:t>PC3</a:t>
+            </a:r>
+            <a:endParaRPr lang="es-CO" dirty="0"/>
+          </a:p>
+        </p:txBody>
+      </p:sp>
+      <p:sp>
+        <p:nvSpPr>
+          <p:cNvPr id="17" name="Rectángulo 16"/>
+          <p:cNvSpPr/>
+          <p:nvPr/>
+        </p:nvSpPr>
+        <p:spPr>
+          <a:xfrm>
+            <a:off x="5313145" y="4533495"/>
+            <a:ext cx="760396" cy="760396"/>
+          </a:xfrm>
+          <a:prstGeom prst="rect">
+            <a:avLst/>
+          </a:prstGeom>
+        </p:spPr>
+        <p:style>
+          <a:lnRef idx="2">
+            <a:schemeClr val="accent1">
+              <a:shade val="50000"/>
+            </a:schemeClr>
+          </a:lnRef>
+          <a:fillRef idx="1">
+            <a:schemeClr val="accent1"/>
+          </a:fillRef>
+          <a:effectRef idx="0">
+            <a:schemeClr val="accent1"/>
+          </a:effectRef>
+          <a:fontRef idx="minor">
+            <a:schemeClr val="lt1"/>
+          </a:fontRef>
+        </p:style>
+        <p:txBody>
+          <a:bodyPr rtlCol="0" anchor="ctr"/>
+          <a:lstStyle/>
+          <a:p>
+            <a:pPr algn="ctr"/>
+            <a:r>
+              <a:rPr lang="es-ES" dirty="0"/>
+              <a:t>PC5</a:t>
+            </a:r>
+            <a:endParaRPr lang="es-CO" dirty="0"/>
+          </a:p>
+        </p:txBody>
+      </p:sp>
+      <p:sp>
+        <p:nvSpPr>
+          <p:cNvPr id="19" name="Rectángulo 18"/>
+          <p:cNvSpPr/>
+          <p:nvPr/>
+        </p:nvSpPr>
+        <p:spPr>
+          <a:xfrm>
+            <a:off x="6293318" y="2685448"/>
+            <a:ext cx="760396" cy="760396"/>
+          </a:xfrm>
+          <a:prstGeom prst="rect">
+            <a:avLst/>
+          </a:prstGeom>
+        </p:spPr>
+        <p:style>
+          <a:lnRef idx="2">
+            <a:schemeClr val="accent1">
+              <a:shade val="50000"/>
+            </a:schemeClr>
+          </a:lnRef>
+          <a:fillRef idx="1">
+            <a:schemeClr val="accent1"/>
+          </a:fillRef>
+          <a:effectRef idx="0">
+            <a:schemeClr val="accent1"/>
+          </a:effectRef>
+          <a:fontRef idx="minor">
+            <a:schemeClr val="lt1"/>
+          </a:fontRef>
+        </p:style>
+        <p:txBody>
+          <a:bodyPr rtlCol="0" anchor="ctr"/>
+          <a:lstStyle/>
+          <a:p>
+            <a:pPr algn="ctr"/>
+            <a:r>
+              <a:rPr lang="es-ES" dirty="0"/>
+              <a:t>PC2</a:t>
+            </a:r>
+            <a:endParaRPr lang="es-CO" dirty="0"/>
+          </a:p>
+        </p:txBody>
+      </p:sp>
+      <p:sp>
+        <p:nvSpPr>
+          <p:cNvPr id="20" name="Rectángulo 19"/>
+          <p:cNvSpPr/>
+          <p:nvPr/>
+        </p:nvSpPr>
+        <p:spPr>
+          <a:xfrm>
+            <a:off x="6293318" y="3595034"/>
+            <a:ext cx="760396" cy="760396"/>
+          </a:xfrm>
+          <a:prstGeom prst="rect">
+            <a:avLst/>
+          </a:prstGeom>
+        </p:spPr>
+        <p:style>
+          <a:lnRef idx="2">
+            <a:schemeClr val="accent1">
+              <a:shade val="50000"/>
+            </a:schemeClr>
+          </a:lnRef>
+          <a:fillRef idx="1">
+            <a:schemeClr val="accent1"/>
+          </a:fillRef>
+          <a:effectRef idx="0">
+            <a:schemeClr val="accent1"/>
+          </a:effectRef>
+          <a:fontRef idx="minor">
+            <a:schemeClr val="lt1"/>
+          </a:fontRef>
+        </p:style>
+        <p:txBody>
+          <a:bodyPr rtlCol="0" anchor="ctr"/>
+          <a:lstStyle/>
+          <a:p>
+            <a:pPr algn="ctr"/>
+            <a:r>
+              <a:rPr lang="es-ES" dirty="0"/>
+              <a:t>PC4</a:t>
+            </a:r>
+            <a:endParaRPr lang="es-CO" dirty="0"/>
+          </a:p>
+        </p:txBody>
+      </p:sp>
+      <p:sp>
+        <p:nvSpPr>
+          <p:cNvPr id="22" name="Rectángulo 21"/>
+          <p:cNvSpPr/>
+          <p:nvPr/>
+        </p:nvSpPr>
+        <p:spPr>
+          <a:xfrm>
+            <a:off x="6293318" y="4533495"/>
+            <a:ext cx="760396" cy="760396"/>
+          </a:xfrm>
+          <a:prstGeom prst="rect">
+            <a:avLst/>
+          </a:prstGeom>
+        </p:spPr>
+        <p:style>
+          <a:lnRef idx="2">
+            <a:schemeClr val="accent1">
+              <a:shade val="50000"/>
+            </a:schemeClr>
+          </a:lnRef>
+          <a:fillRef idx="1">
+            <a:schemeClr val="accent1"/>
+          </a:fillRef>
+          <a:effectRef idx="0">
+            <a:schemeClr val="accent1"/>
+          </a:effectRef>
+          <a:fontRef idx="minor">
+            <a:schemeClr val="lt1"/>
+          </a:fontRef>
+        </p:style>
+        <p:txBody>
+          <a:bodyPr rtlCol="0" anchor="ctr"/>
+          <a:lstStyle/>
+          <a:p>
+            <a:pPr algn="ctr"/>
+            <a:r>
+              <a:rPr lang="es-ES" dirty="0"/>
+              <a:t>PC6</a:t>
+            </a:r>
+            <a:endParaRPr lang="es-CO" dirty="0"/>
+          </a:p>
+        </p:txBody>
+      </p:sp>
+      <p:sp>
+        <p:nvSpPr>
+          <p:cNvPr id="7" name="CuadroTexto 6"/>
+          <p:cNvSpPr txBox="1"/>
+          <p:nvPr/>
+        </p:nvSpPr>
+        <p:spPr>
+          <a:xfrm>
+            <a:off x="7295949" y="2800952"/>
+            <a:ext cx="2213811" cy="375385"/>
+          </a:xfrm>
+          <a:prstGeom prst="rect">
+            <a:avLst/>
+          </a:prstGeom>
+          <a:noFill/>
+        </p:spPr>
+        <p:txBody>
+          <a:bodyPr wrap="square" rtlCol="0">
+            <a:spAutoFit/>
+          </a:bodyPr>
+          <a:lstStyle/>
+          <a:p>
+            <a:r>
+              <a:rPr lang="es-ES" dirty="0"/>
+              <a:t>192.168.200.56</a:t>
+            </a:r>
+            <a:endParaRPr lang="es-CO" dirty="0"/>
+          </a:p>
+        </p:txBody>
+      </p:sp>
+      <p:sp>
+        <p:nvSpPr>
+          <p:cNvPr id="23" name="CuadroTexto 22"/>
+          <p:cNvSpPr txBox="1"/>
+          <p:nvPr/>
+        </p:nvSpPr>
+        <p:spPr>
+          <a:xfrm>
+            <a:off x="7295949" y="3787539"/>
+            <a:ext cx="2213811" cy="375385"/>
+          </a:xfrm>
+          <a:prstGeom prst="rect">
+            <a:avLst/>
+          </a:prstGeom>
+          <a:noFill/>
+        </p:spPr>
+        <p:txBody>
+          <a:bodyPr wrap="square" rtlCol="0">
+            <a:spAutoFit/>
+          </a:bodyPr>
+          <a:lstStyle/>
+          <a:p>
+            <a:r>
+              <a:rPr lang="es-ES" dirty="0"/>
+              <a:t>192.168.200.18</a:t>
+            </a:r>
+            <a:endParaRPr lang="es-CO" dirty="0"/>
+          </a:p>
+        </p:txBody>
+      </p:sp>
+      <p:sp>
+        <p:nvSpPr>
+          <p:cNvPr id="25" name="CuadroTexto 24"/>
+          <p:cNvSpPr txBox="1"/>
+          <p:nvPr/>
+        </p:nvSpPr>
+        <p:spPr>
+          <a:xfrm>
+            <a:off x="7295949" y="4726000"/>
+            <a:ext cx="2213811" cy="375385"/>
+          </a:xfrm>
+          <a:prstGeom prst="rect">
+            <a:avLst/>
+          </a:prstGeom>
+          <a:noFill/>
+        </p:spPr>
+        <p:txBody>
+          <a:bodyPr wrap="square" rtlCol="0">
+            <a:spAutoFit/>
+          </a:bodyPr>
+          <a:lstStyle/>
+          <a:p>
+            <a:r>
+              <a:rPr lang="es-ES" dirty="0"/>
+              <a:t>192.168.200.15</a:t>
+            </a:r>
+            <a:endParaRPr lang="es-CO" dirty="0"/>
+          </a:p>
+        </p:txBody>
+      </p:sp>
+      <p:sp>
+        <p:nvSpPr>
+          <p:cNvPr id="26" name="CuadroTexto 25"/>
+          <p:cNvSpPr txBox="1"/>
+          <p:nvPr/>
+        </p:nvSpPr>
+        <p:spPr>
+          <a:xfrm>
+            <a:off x="2876349" y="2800952"/>
+            <a:ext cx="2213811" cy="375385"/>
+          </a:xfrm>
+          <a:prstGeom prst="rect">
+            <a:avLst/>
+          </a:prstGeom>
+          <a:noFill/>
+        </p:spPr>
+        <p:txBody>
+          <a:bodyPr wrap="square" rtlCol="0">
+            <a:spAutoFit/>
+          </a:bodyPr>
+          <a:lstStyle/>
+          <a:p>
+            <a:pPr algn="r"/>
+            <a:r>
+              <a:rPr lang="es-ES" dirty="0"/>
+              <a:t>192.168.200.53</a:t>
+            </a:r>
+            <a:endParaRPr lang="es-CO" dirty="0"/>
+          </a:p>
+        </p:txBody>
+      </p:sp>
+      <p:sp>
+        <p:nvSpPr>
+          <p:cNvPr id="28" name="CuadroTexto 27"/>
+          <p:cNvSpPr txBox="1"/>
+          <p:nvPr/>
+        </p:nvSpPr>
+        <p:spPr>
+          <a:xfrm>
+            <a:off x="2876349" y="3787539"/>
+            <a:ext cx="2213811" cy="375385"/>
+          </a:xfrm>
+          <a:prstGeom prst="rect">
+            <a:avLst/>
+          </a:prstGeom>
+          <a:noFill/>
+        </p:spPr>
+        <p:txBody>
+          <a:bodyPr wrap="square" rtlCol="0">
+            <a:spAutoFit/>
+          </a:bodyPr>
+          <a:lstStyle/>
+          <a:p>
+            <a:pPr algn="r"/>
+            <a:r>
+              <a:rPr lang="es-ES" dirty="0"/>
+              <a:t>192.168.200.25</a:t>
+            </a:r>
+            <a:endParaRPr lang="es-CO" dirty="0"/>
+          </a:p>
+        </p:txBody>
+      </p:sp>
+      <p:sp>
+        <p:nvSpPr>
+          <p:cNvPr id="29" name="CuadroTexto 28"/>
+          <p:cNvSpPr txBox="1"/>
+          <p:nvPr/>
+        </p:nvSpPr>
+        <p:spPr>
+          <a:xfrm>
+            <a:off x="2876349" y="4726000"/>
+            <a:ext cx="2213811" cy="375385"/>
+          </a:xfrm>
+          <a:prstGeom prst="rect">
+            <a:avLst/>
+          </a:prstGeom>
+          <a:noFill/>
+        </p:spPr>
+        <p:txBody>
+          <a:bodyPr wrap="square" rtlCol="0">
+            <a:spAutoFit/>
+          </a:bodyPr>
+          <a:lstStyle/>
+          <a:p>
+            <a:pPr algn="r"/>
+            <a:r>
+              <a:rPr lang="es-ES" dirty="0"/>
+              <a:t>192.168.200.115</a:t>
+            </a:r>
+            <a:endParaRPr lang="es-CO" dirty="0"/>
+          </a:p>
+        </p:txBody>
+      </p:sp>
+      <p:sp>
+        <p:nvSpPr>
+          <p:cNvPr id="30" name="CuadroTexto 29"/>
+          <p:cNvSpPr txBox="1"/>
+          <p:nvPr/>
+        </p:nvSpPr>
+        <p:spPr>
+          <a:xfrm>
+            <a:off x="5282665" y="1830487"/>
+            <a:ext cx="2213811" cy="646331"/>
+          </a:xfrm>
+          <a:prstGeom prst="rect">
+            <a:avLst/>
+          </a:prstGeom>
+          <a:noFill/>
+        </p:spPr>
+        <p:txBody>
+          <a:bodyPr wrap="square" rtlCol="0">
+            <a:spAutoFit/>
+          </a:bodyPr>
+          <a:lstStyle/>
+          <a:p>
+            <a:r>
+              <a:rPr lang="es-ES" dirty="0"/>
+              <a:t>Máscara: 255.255.255.0</a:t>
+            </a:r>
+            <a:endParaRPr lang="es-CO" dirty="0"/>
+          </a:p>
+        </p:txBody>
+      </p:sp>
+      <p:sp>
+        <p:nvSpPr>
+          <p:cNvPr id="21" name="CuadroTexto 20"/>
+          <p:cNvSpPr txBox="1"/>
+          <p:nvPr/>
+        </p:nvSpPr>
+        <p:spPr>
+          <a:xfrm>
+            <a:off x="4940968" y="5533801"/>
+            <a:ext cx="2704700" cy="646331"/>
+          </a:xfrm>
+          <a:prstGeom prst="rect">
+            <a:avLst/>
+          </a:prstGeom>
+          <a:noFill/>
+        </p:spPr>
+        <p:txBody>
+          <a:bodyPr wrap="square" rtlCol="0">
+            <a:spAutoFit/>
+          </a:bodyPr>
+          <a:lstStyle/>
+          <a:p>
+            <a:r>
+              <a:rPr lang="es-ES" dirty="0"/>
+              <a:t>La dirección de subred es</a:t>
+            </a:r>
+          </a:p>
+          <a:p>
+            <a:r>
+              <a:rPr lang="es-ES" dirty="0"/>
+              <a:t>192.168.200.0 / 24</a:t>
+            </a:r>
+            <a:endParaRPr lang="es-CO" dirty="0"/>
+          </a:p>
+        </p:txBody>
+      </p:sp>
+      <p:sp>
+        <p:nvSpPr>
+          <p:cNvPr id="18" name="CuadroTexto 17"/>
+          <p:cNvSpPr txBox="1"/>
+          <p:nvPr/>
+        </p:nvSpPr>
+        <p:spPr>
+          <a:xfrm>
+            <a:off x="268615" y="2476818"/>
+            <a:ext cx="2978664" cy="2585323"/>
+          </a:xfrm>
+          <a:prstGeom prst="rect">
+            <a:avLst/>
+          </a:prstGeom>
+          <a:noFill/>
+        </p:spPr>
+        <p:txBody>
+          <a:bodyPr wrap="square" rtlCol="0">
+            <a:spAutoFit/>
+          </a:bodyPr>
+          <a:lstStyle/>
+          <a:p>
+            <a:r>
+              <a:rPr lang="es-ES" dirty="0">
+                <a:solidFill>
+                  <a:srgbClr val="7030A0"/>
+                </a:solidFill>
+              </a:rPr>
+              <a:t>Si multiplico bit a bit la máscara de subred con una dirección IP de host cualquiera, el resultado es la dirección de subred:</a:t>
+            </a:r>
+          </a:p>
+          <a:p>
+            <a:endParaRPr lang="es-ES" dirty="0">
+              <a:solidFill>
+                <a:srgbClr val="7030A0"/>
+              </a:solidFill>
+            </a:endParaRPr>
+          </a:p>
+          <a:p>
+            <a:r>
+              <a:rPr lang="es-ES" dirty="0">
+                <a:solidFill>
+                  <a:srgbClr val="7030A0"/>
+                </a:solidFill>
+              </a:rPr>
+              <a:t>      255.255.255.0</a:t>
+            </a:r>
+          </a:p>
+          <a:p>
+            <a:r>
+              <a:rPr lang="es-ES" dirty="0">
+                <a:solidFill>
+                  <a:srgbClr val="7030A0"/>
+                </a:solidFill>
+              </a:rPr>
+              <a:t>   * </a:t>
+            </a:r>
+            <a:r>
+              <a:rPr lang="es-ES" u="sng" dirty="0">
+                <a:solidFill>
+                  <a:srgbClr val="7030A0"/>
+                </a:solidFill>
+              </a:rPr>
+              <a:t>192.168.200.53</a:t>
+            </a:r>
+          </a:p>
+          <a:p>
+            <a:r>
+              <a:rPr lang="es-ES" dirty="0">
+                <a:solidFill>
+                  <a:srgbClr val="7030A0"/>
+                </a:solidFill>
+              </a:rPr>
+              <a:t>      192.168.200.0</a:t>
+            </a:r>
+            <a:endParaRPr lang="es-CO" dirty="0">
+              <a:solidFill>
+                <a:srgbClr val="7030A0"/>
+              </a:solidFill>
+            </a:endParaRPr>
+          </a:p>
+        </p:txBody>
+      </p:sp>
+      <p:cxnSp>
+        <p:nvCxnSpPr>
+          <p:cNvPr id="4" name="Conector angular 3"/>
+          <p:cNvCxnSpPr>
+            <a:stCxn id="18" idx="2"/>
+            <a:endCxn id="21" idx="1"/>
+          </p:cNvCxnSpPr>
+          <p:nvPr/>
+        </p:nvCxnSpPr>
+        <p:spPr>
+          <a:xfrm rot="16200000" flipH="1">
+            <a:off x="2952044" y="3868043"/>
+            <a:ext cx="794826" cy="3183021"/>
+          </a:xfrm>
+          <a:prstGeom prst="bentConnector2">
+            <a:avLst/>
+          </a:prstGeom>
+          <a:ln>
+            <a:solidFill>
+              <a:srgbClr val="7030A0"/>
+            </a:solidFill>
+            <a:tailEnd type="triangle"/>
+          </a:ln>
+        </p:spPr>
+        <p:style>
+          <a:lnRef idx="1">
+            <a:schemeClr val="accent1"/>
+          </a:lnRef>
+          <a:fillRef idx="0">
+            <a:schemeClr val="accent1"/>
+          </a:fillRef>
+          <a:effectRef idx="0">
+            <a:schemeClr val="accent1"/>
+          </a:effectRef>
+          <a:fontRef idx="minor">
+            <a:schemeClr val="tx1"/>
+          </a:fontRef>
+        </p:style>
+      </p:cxnSp>
+      <p:sp>
+        <p:nvSpPr>
+          <p:cNvPr id="24" name="CuadroTexto 23"/>
+          <p:cNvSpPr txBox="1"/>
+          <p:nvPr/>
+        </p:nvSpPr>
+        <p:spPr>
+          <a:xfrm>
+            <a:off x="2577965" y="5856966"/>
+            <a:ext cx="2213811" cy="375385"/>
+          </a:xfrm>
+          <a:prstGeom prst="rect">
+            <a:avLst/>
+          </a:prstGeom>
+          <a:noFill/>
+        </p:spPr>
+        <p:txBody>
+          <a:bodyPr wrap="square" rtlCol="0">
+            <a:spAutoFit/>
+          </a:bodyPr>
+          <a:lstStyle/>
+          <a:p>
+            <a:r>
+              <a:rPr lang="es-ES" dirty="0"/>
+              <a:t>Por lo tanto</a:t>
+            </a:r>
+            <a:endParaRPr lang="es-CO" dirty="0"/>
+          </a:p>
+        </p:txBody>
+      </p:sp>
+    </p:spTree>
+    <p:extLst>
+      <p:ext uri="{BB962C8B-B14F-4D97-AF65-F5344CB8AC3E}">
+        <p14:creationId xmlns:p14="http://schemas.microsoft.com/office/powerpoint/2010/main" val="3155481028"/>
+      </p:ext>
+    </p:extLst>
+  </p:cSld>
+  <p:clrMapOvr>
+    <a:masterClrMapping/>
+  </p:clrMapOvr>
+</p:sld>
+</file>
+
+<file path=ppt/slides/slide35.xml><?xml version="1.0" encoding="utf-8"?>
+<p:sld xmlns:a="http://schemas.openxmlformats.org/drawingml/2006/main" xmlns:r="http://schemas.openxmlformats.org/officeDocument/2006/relationships" xmlns:p="http://schemas.openxmlformats.org/presentationml/2006/main">
+  <p:cSld>
+    <p:spTree>
+      <p:nvGrpSpPr>
+        <p:cNvPr id="1" name=""/>
+        <p:cNvGrpSpPr/>
+        <p:nvPr/>
+      </p:nvGrpSpPr>
+      <p:grpSpPr>
+        <a:xfrm>
+          <a:off x="0" y="0"/>
+          <a:ext cx="0" cy="0"/>
+          <a:chOff x="0" y="0"/>
+          <a:chExt cx="0" cy="0"/>
+        </a:xfrm>
+      </p:grpSpPr>
+      <p:sp>
+        <p:nvSpPr>
+          <p:cNvPr id="2" name="Title 1">
+            <a:extLst>
+              <a:ext uri="{FF2B5EF4-FFF2-40B4-BE49-F238E27FC236}">
+                <a16:creationId xmlns:a16="http://schemas.microsoft.com/office/drawing/2014/main" id="{AE6E0640-03C4-8D71-C356-28C3B91455ED}"/>
+              </a:ext>
+            </a:extLst>
+          </p:cNvPr>
+          <p:cNvSpPr>
+            <a:spLocks noGrp="1"/>
+          </p:cNvSpPr>
+          <p:nvPr>
+            <p:ph type="title"/>
+          </p:nvPr>
+        </p:nvSpPr>
+        <p:spPr/>
+        <p:txBody>
+          <a:bodyPr/>
+          <a:lstStyle/>
+          <a:p>
+            <a:r>
+              <a:rPr lang="en-CO" dirty="0"/>
+              <a:t>RED DE SALAS CÓMPUTO</a:t>
+            </a:r>
+          </a:p>
+        </p:txBody>
+      </p:sp>
+      <p:sp>
+        <p:nvSpPr>
+          <p:cNvPr id="3" name="Text Placeholder 2">
+            <a:extLst>
+              <a:ext uri="{FF2B5EF4-FFF2-40B4-BE49-F238E27FC236}">
+                <a16:creationId xmlns:a16="http://schemas.microsoft.com/office/drawing/2014/main" id="{DAB27D5C-4A66-C1E8-981E-5407B7A746F1}"/>
+              </a:ext>
+            </a:extLst>
+          </p:cNvPr>
+          <p:cNvSpPr>
+            <a:spLocks noGrp="1"/>
+          </p:cNvSpPr>
+          <p:nvPr>
+            <p:ph type="body" idx="1"/>
+          </p:nvPr>
+        </p:nvSpPr>
+        <p:spPr/>
+        <p:txBody>
+          <a:bodyPr/>
+          <a:lstStyle/>
+          <a:p>
+            <a:endParaRPr lang="en-CO"/>
+          </a:p>
+        </p:txBody>
+      </p:sp>
+    </p:spTree>
+    <p:extLst>
+      <p:ext uri="{BB962C8B-B14F-4D97-AF65-F5344CB8AC3E}">
+        <p14:creationId xmlns:p14="http://schemas.microsoft.com/office/powerpoint/2010/main" val="888311744"/>
+      </p:ext>
+    </p:extLst>
+  </p:cSld>
+  <p:clrMapOvr>
+    <a:masterClrMapping/>
+  </p:clrMapOvr>
+</p:sld>
+</file>
+
+<file path=ppt/slides/slide36.xml><?xml version="1.0" encoding="utf-8"?>
+<p:sld xmlns:a="http://schemas.openxmlformats.org/drawingml/2006/main" xmlns:r="http://schemas.openxmlformats.org/officeDocument/2006/relationships" xmlns:p="http://schemas.openxmlformats.org/presentationml/2006/main">
+  <p:cSld>
+    <p:spTree>
+      <p:nvGrpSpPr>
+        <p:cNvPr id="1" name=""/>
+        <p:cNvGrpSpPr/>
+        <p:nvPr/>
+      </p:nvGrpSpPr>
+      <p:grpSpPr>
+        <a:xfrm>
+          <a:off x="0" y="0"/>
+          <a:ext cx="0" cy="0"/>
+          <a:chOff x="0" y="0"/>
+          <a:chExt cx="0" cy="0"/>
+        </a:xfrm>
+      </p:grpSpPr>
+      <p:sp>
+        <p:nvSpPr>
+          <p:cNvPr id="2" name="Título 1"/>
+          <p:cNvSpPr>
+            <a:spLocks noGrp="1"/>
+          </p:cNvSpPr>
+          <p:nvPr>
+            <p:ph type="title"/>
+          </p:nvPr>
+        </p:nvSpPr>
+        <p:spPr/>
+        <p:txBody>
+          <a:bodyPr/>
+          <a:lstStyle/>
+          <a:p>
+            <a:r>
+              <a:rPr lang="es-ES" dirty="0"/>
+              <a:t>¿Cuál es la dirección de subred? </a:t>
+            </a:r>
+            <a:endParaRPr lang="es-CO" dirty="0"/>
+          </a:p>
+        </p:txBody>
+      </p:sp>
+      <p:sp>
+        <p:nvSpPr>
+          <p:cNvPr id="4" name="Rectángulo 3"/>
+          <p:cNvSpPr/>
+          <p:nvPr/>
+        </p:nvSpPr>
+        <p:spPr>
+          <a:xfrm>
+            <a:off x="5313145" y="2685448"/>
+            <a:ext cx="760396" cy="760396"/>
+          </a:xfrm>
+          <a:prstGeom prst="rect">
+            <a:avLst/>
+          </a:prstGeom>
+        </p:spPr>
+        <p:style>
+          <a:lnRef idx="2">
+            <a:schemeClr val="accent1">
+              <a:shade val="50000"/>
+            </a:schemeClr>
+          </a:lnRef>
+          <a:fillRef idx="1">
+            <a:schemeClr val="accent1"/>
+          </a:fillRef>
+          <a:effectRef idx="0">
+            <a:schemeClr val="accent1"/>
+          </a:effectRef>
+          <a:fontRef idx="minor">
+            <a:schemeClr val="lt1"/>
+          </a:fontRef>
+        </p:style>
+        <p:txBody>
+          <a:bodyPr rtlCol="0" anchor="ctr"/>
+          <a:lstStyle/>
+          <a:p>
+            <a:pPr algn="ctr"/>
+            <a:r>
+              <a:rPr lang="es-ES" dirty="0"/>
+              <a:t>PC1</a:t>
+            </a:r>
+            <a:endParaRPr lang="es-CO" dirty="0"/>
+          </a:p>
+        </p:txBody>
+      </p:sp>
+      <p:sp>
+        <p:nvSpPr>
+          <p:cNvPr id="5" name="Rectángulo 4"/>
+          <p:cNvSpPr/>
+          <p:nvPr/>
+        </p:nvSpPr>
+        <p:spPr>
+          <a:xfrm>
+            <a:off x="5313145" y="3595034"/>
+            <a:ext cx="760396" cy="760396"/>
+          </a:xfrm>
+          <a:prstGeom prst="rect">
+            <a:avLst/>
+          </a:prstGeom>
+        </p:spPr>
+        <p:style>
+          <a:lnRef idx="2">
+            <a:schemeClr val="accent1">
+              <a:shade val="50000"/>
+            </a:schemeClr>
+          </a:lnRef>
+          <a:fillRef idx="1">
+            <a:schemeClr val="accent1"/>
+          </a:fillRef>
+          <a:effectRef idx="0">
+            <a:schemeClr val="accent1"/>
+          </a:effectRef>
+          <a:fontRef idx="minor">
+            <a:schemeClr val="lt1"/>
+          </a:fontRef>
+        </p:style>
+        <p:txBody>
+          <a:bodyPr rtlCol="0" anchor="ctr"/>
+          <a:lstStyle/>
+          <a:p>
+            <a:pPr algn="ctr"/>
+            <a:r>
+              <a:rPr lang="es-ES" dirty="0"/>
+              <a:t>PC3</a:t>
+            </a:r>
+            <a:endParaRPr lang="es-CO" dirty="0"/>
+          </a:p>
+        </p:txBody>
+      </p:sp>
+      <p:sp>
+        <p:nvSpPr>
+          <p:cNvPr id="6" name="Rectángulo 5"/>
+          <p:cNvSpPr/>
+          <p:nvPr/>
+        </p:nvSpPr>
+        <p:spPr>
+          <a:xfrm>
+            <a:off x="5313145" y="4533495"/>
+            <a:ext cx="760396" cy="760396"/>
+          </a:xfrm>
+          <a:prstGeom prst="rect">
+            <a:avLst/>
+          </a:prstGeom>
+        </p:spPr>
+        <p:style>
+          <a:lnRef idx="2">
+            <a:schemeClr val="accent1">
+              <a:shade val="50000"/>
+            </a:schemeClr>
+          </a:lnRef>
+          <a:fillRef idx="1">
+            <a:schemeClr val="accent1"/>
+          </a:fillRef>
+          <a:effectRef idx="0">
+            <a:schemeClr val="accent1"/>
+          </a:effectRef>
+          <a:fontRef idx="minor">
+            <a:schemeClr val="lt1"/>
+          </a:fontRef>
+        </p:style>
+        <p:txBody>
+          <a:bodyPr rtlCol="0" anchor="ctr"/>
+          <a:lstStyle/>
+          <a:p>
+            <a:pPr algn="ctr"/>
+            <a:r>
+              <a:rPr lang="es-ES" dirty="0"/>
+              <a:t>PC5</a:t>
+            </a:r>
+            <a:endParaRPr lang="es-CO" dirty="0"/>
+          </a:p>
+        </p:txBody>
+      </p:sp>
+      <p:sp>
+        <p:nvSpPr>
+          <p:cNvPr id="7" name="Rectángulo 6"/>
+          <p:cNvSpPr/>
+          <p:nvPr/>
+        </p:nvSpPr>
+        <p:spPr>
+          <a:xfrm>
+            <a:off x="6293318" y="2685448"/>
+            <a:ext cx="760396" cy="760396"/>
+          </a:xfrm>
+          <a:prstGeom prst="rect">
+            <a:avLst/>
+          </a:prstGeom>
+        </p:spPr>
+        <p:style>
+          <a:lnRef idx="2">
+            <a:schemeClr val="accent1">
+              <a:shade val="50000"/>
+            </a:schemeClr>
+          </a:lnRef>
+          <a:fillRef idx="1">
+            <a:schemeClr val="accent1"/>
+          </a:fillRef>
+          <a:effectRef idx="0">
+            <a:schemeClr val="accent1"/>
+          </a:effectRef>
+          <a:fontRef idx="minor">
+            <a:schemeClr val="lt1"/>
+          </a:fontRef>
+        </p:style>
+        <p:txBody>
+          <a:bodyPr rtlCol="0" anchor="ctr"/>
+          <a:lstStyle/>
+          <a:p>
+            <a:pPr algn="ctr"/>
+            <a:r>
+              <a:rPr lang="es-ES" dirty="0"/>
+              <a:t>PC2</a:t>
+            </a:r>
+            <a:endParaRPr lang="es-CO" dirty="0"/>
+          </a:p>
+        </p:txBody>
+      </p:sp>
+      <p:sp>
+        <p:nvSpPr>
+          <p:cNvPr id="8" name="Rectángulo 7"/>
+          <p:cNvSpPr/>
+          <p:nvPr/>
+        </p:nvSpPr>
+        <p:spPr>
+          <a:xfrm>
+            <a:off x="6293318" y="3595034"/>
+            <a:ext cx="760396" cy="760396"/>
+          </a:xfrm>
+          <a:prstGeom prst="rect">
+            <a:avLst/>
+          </a:prstGeom>
+        </p:spPr>
+        <p:style>
+          <a:lnRef idx="2">
+            <a:schemeClr val="accent1">
+              <a:shade val="50000"/>
+            </a:schemeClr>
+          </a:lnRef>
+          <a:fillRef idx="1">
+            <a:schemeClr val="accent1"/>
+          </a:fillRef>
+          <a:effectRef idx="0">
+            <a:schemeClr val="accent1"/>
+          </a:effectRef>
+          <a:fontRef idx="minor">
+            <a:schemeClr val="lt1"/>
+          </a:fontRef>
+        </p:style>
+        <p:txBody>
+          <a:bodyPr rtlCol="0" anchor="ctr"/>
+          <a:lstStyle/>
+          <a:p>
+            <a:pPr algn="ctr"/>
+            <a:r>
+              <a:rPr lang="es-ES" dirty="0"/>
+              <a:t>PC4</a:t>
+            </a:r>
+            <a:endParaRPr lang="es-CO" dirty="0"/>
+          </a:p>
+        </p:txBody>
+      </p:sp>
+      <p:sp>
+        <p:nvSpPr>
+          <p:cNvPr id="9" name="Rectángulo 8"/>
+          <p:cNvSpPr/>
+          <p:nvPr/>
+        </p:nvSpPr>
+        <p:spPr>
+          <a:xfrm>
+            <a:off x="6293318" y="4533495"/>
+            <a:ext cx="760396" cy="760396"/>
+          </a:xfrm>
+          <a:prstGeom prst="rect">
+            <a:avLst/>
+          </a:prstGeom>
+        </p:spPr>
+        <p:style>
+          <a:lnRef idx="2">
+            <a:schemeClr val="accent1">
+              <a:shade val="50000"/>
+            </a:schemeClr>
+          </a:lnRef>
+          <a:fillRef idx="1">
+            <a:schemeClr val="accent1"/>
+          </a:fillRef>
+          <a:effectRef idx="0">
+            <a:schemeClr val="accent1"/>
+          </a:effectRef>
+          <a:fontRef idx="minor">
+            <a:schemeClr val="lt1"/>
+          </a:fontRef>
+        </p:style>
+        <p:txBody>
+          <a:bodyPr rtlCol="0" anchor="ctr"/>
+          <a:lstStyle/>
+          <a:p>
+            <a:pPr algn="ctr"/>
+            <a:r>
+              <a:rPr lang="es-ES" dirty="0"/>
+              <a:t>PC6</a:t>
+            </a:r>
+            <a:endParaRPr lang="es-CO" dirty="0"/>
+          </a:p>
+        </p:txBody>
+      </p:sp>
+      <p:sp>
+        <p:nvSpPr>
+          <p:cNvPr id="10" name="CuadroTexto 9"/>
+          <p:cNvSpPr txBox="1"/>
+          <p:nvPr/>
+        </p:nvSpPr>
+        <p:spPr>
+          <a:xfrm>
+            <a:off x="7295949" y="2800952"/>
+            <a:ext cx="2213811" cy="375385"/>
+          </a:xfrm>
+          <a:prstGeom prst="rect">
+            <a:avLst/>
+          </a:prstGeom>
+          <a:noFill/>
+        </p:spPr>
+        <p:txBody>
+          <a:bodyPr wrap="square" rtlCol="0">
+            <a:spAutoFit/>
+          </a:bodyPr>
+          <a:lstStyle/>
+          <a:p>
+            <a:r>
+              <a:rPr lang="es-ES" dirty="0"/>
+              <a:t>192.168.204.56</a:t>
+            </a:r>
+            <a:endParaRPr lang="es-CO" dirty="0"/>
+          </a:p>
+        </p:txBody>
+      </p:sp>
+      <p:sp>
+        <p:nvSpPr>
+          <p:cNvPr id="11" name="CuadroTexto 10"/>
+          <p:cNvSpPr txBox="1"/>
+          <p:nvPr/>
+        </p:nvSpPr>
+        <p:spPr>
+          <a:xfrm>
+            <a:off x="7295949" y="3787539"/>
+            <a:ext cx="2213811" cy="375385"/>
+          </a:xfrm>
+          <a:prstGeom prst="rect">
+            <a:avLst/>
+          </a:prstGeom>
+          <a:noFill/>
+        </p:spPr>
+        <p:txBody>
+          <a:bodyPr wrap="square" rtlCol="0">
+            <a:spAutoFit/>
+          </a:bodyPr>
+          <a:lstStyle/>
+          <a:p>
+            <a:r>
+              <a:rPr lang="es-ES" dirty="0"/>
+              <a:t>192.168.207.18</a:t>
+            </a:r>
+            <a:endParaRPr lang="es-CO" dirty="0"/>
+          </a:p>
+        </p:txBody>
+      </p:sp>
+      <p:sp>
+        <p:nvSpPr>
+          <p:cNvPr id="12" name="CuadroTexto 11"/>
+          <p:cNvSpPr txBox="1"/>
+          <p:nvPr/>
+        </p:nvSpPr>
+        <p:spPr>
+          <a:xfrm>
+            <a:off x="7295949" y="4726000"/>
+            <a:ext cx="2213811" cy="375385"/>
+          </a:xfrm>
+          <a:prstGeom prst="rect">
+            <a:avLst/>
+          </a:prstGeom>
+          <a:noFill/>
+        </p:spPr>
+        <p:txBody>
+          <a:bodyPr wrap="square" rtlCol="0">
+            <a:spAutoFit/>
+          </a:bodyPr>
+          <a:lstStyle/>
+          <a:p>
+            <a:r>
+              <a:rPr lang="es-ES" dirty="0"/>
+              <a:t>192.168.205.15</a:t>
+            </a:r>
+            <a:endParaRPr lang="es-CO" dirty="0"/>
+          </a:p>
+        </p:txBody>
+      </p:sp>
+      <p:sp>
+        <p:nvSpPr>
+          <p:cNvPr id="13" name="CuadroTexto 12"/>
+          <p:cNvSpPr txBox="1"/>
+          <p:nvPr/>
+        </p:nvSpPr>
+        <p:spPr>
+          <a:xfrm>
+            <a:off x="2876349" y="2800952"/>
+            <a:ext cx="2213811" cy="375385"/>
+          </a:xfrm>
+          <a:prstGeom prst="rect">
+            <a:avLst/>
+          </a:prstGeom>
+          <a:noFill/>
+        </p:spPr>
+        <p:txBody>
+          <a:bodyPr wrap="square" rtlCol="0">
+            <a:spAutoFit/>
+          </a:bodyPr>
+          <a:lstStyle/>
+          <a:p>
+            <a:pPr algn="r"/>
+            <a:r>
+              <a:rPr lang="es-ES" dirty="0"/>
+              <a:t>192.168.223.53</a:t>
+            </a:r>
+            <a:endParaRPr lang="es-CO" dirty="0"/>
+          </a:p>
+        </p:txBody>
+      </p:sp>
+      <p:sp>
+        <p:nvSpPr>
+          <p:cNvPr id="14" name="CuadroTexto 13"/>
+          <p:cNvSpPr txBox="1"/>
+          <p:nvPr/>
+        </p:nvSpPr>
+        <p:spPr>
+          <a:xfrm>
+            <a:off x="2876349" y="3787539"/>
+            <a:ext cx="2213811" cy="375385"/>
+          </a:xfrm>
+          <a:prstGeom prst="rect">
+            <a:avLst/>
+          </a:prstGeom>
+          <a:noFill/>
+        </p:spPr>
+        <p:txBody>
+          <a:bodyPr wrap="square" rtlCol="0">
+            <a:spAutoFit/>
+          </a:bodyPr>
+          <a:lstStyle/>
+          <a:p>
+            <a:pPr algn="r"/>
+            <a:r>
+              <a:rPr lang="es-ES" dirty="0"/>
+              <a:t>192.168.213.25</a:t>
+            </a:r>
+            <a:endParaRPr lang="es-CO" dirty="0"/>
+          </a:p>
+        </p:txBody>
+      </p:sp>
+      <p:sp>
+        <p:nvSpPr>
+          <p:cNvPr id="15" name="CuadroTexto 14"/>
+          <p:cNvSpPr txBox="1"/>
+          <p:nvPr/>
+        </p:nvSpPr>
+        <p:spPr>
+          <a:xfrm>
+            <a:off x="2876349" y="4726000"/>
+            <a:ext cx="2213811" cy="375385"/>
+          </a:xfrm>
+          <a:prstGeom prst="rect">
+            <a:avLst/>
+          </a:prstGeom>
+          <a:noFill/>
+        </p:spPr>
+        <p:txBody>
+          <a:bodyPr wrap="square" rtlCol="0">
+            <a:spAutoFit/>
+          </a:bodyPr>
+          <a:lstStyle/>
+          <a:p>
+            <a:pPr algn="r"/>
+            <a:r>
+              <a:rPr lang="es-ES" dirty="0"/>
+              <a:t>192.168.220.115</a:t>
+            </a:r>
+            <a:endParaRPr lang="es-CO" dirty="0"/>
+          </a:p>
+        </p:txBody>
+      </p:sp>
+      <p:sp>
+        <p:nvSpPr>
+          <p:cNvPr id="16" name="CuadroTexto 15"/>
+          <p:cNvSpPr txBox="1"/>
+          <p:nvPr/>
+        </p:nvSpPr>
+        <p:spPr>
+          <a:xfrm>
+            <a:off x="5282665" y="1830487"/>
+            <a:ext cx="2213811" cy="646331"/>
+          </a:xfrm>
+          <a:prstGeom prst="rect">
+            <a:avLst/>
+          </a:prstGeom>
+          <a:noFill/>
+        </p:spPr>
+        <p:txBody>
+          <a:bodyPr wrap="square" rtlCol="0">
+            <a:spAutoFit/>
+          </a:bodyPr>
+          <a:lstStyle/>
+          <a:p>
+            <a:r>
+              <a:rPr lang="es-ES" dirty="0"/>
+              <a:t>Máscara: 255.255.224.0</a:t>
+            </a:r>
+            <a:endParaRPr lang="es-CO" dirty="0"/>
+          </a:p>
+        </p:txBody>
+      </p:sp>
+    </p:spTree>
+    <p:extLst>
+      <p:ext uri="{BB962C8B-B14F-4D97-AF65-F5344CB8AC3E}">
+        <p14:creationId xmlns:p14="http://schemas.microsoft.com/office/powerpoint/2010/main" val="108830445"/>
+      </p:ext>
+    </p:extLst>
+  </p:cSld>
+  <p:clrMapOvr>
+    <a:masterClrMapping/>
+  </p:clrMapOvr>
+</p:sld>
+</file>
+
+<file path=ppt/slides/slide37.xml><?xml version="1.0" encoding="utf-8"?>
+<p:sld xmlns:a="http://schemas.openxmlformats.org/drawingml/2006/main" xmlns:r="http://schemas.openxmlformats.org/officeDocument/2006/relationships" xmlns:p="http://schemas.openxmlformats.org/presentationml/2006/main">
+  <p:cSld>
+    <p:spTree>
+      <p:nvGrpSpPr>
+        <p:cNvPr id="1" name=""/>
+        <p:cNvGrpSpPr/>
+        <p:nvPr/>
+      </p:nvGrpSpPr>
+      <p:grpSpPr>
+        <a:xfrm>
+          <a:off x="0" y="0"/>
+          <a:ext cx="0" cy="0"/>
+          <a:chOff x="0" y="0"/>
+          <a:chExt cx="0" cy="0"/>
+        </a:xfrm>
+      </p:grpSpPr>
+      <p:sp>
+        <p:nvSpPr>
+          <p:cNvPr id="2" name="Título 1"/>
+          <p:cNvSpPr>
+            <a:spLocks noGrp="1"/>
+          </p:cNvSpPr>
+          <p:nvPr>
+            <p:ph type="title"/>
+          </p:nvPr>
+        </p:nvSpPr>
+        <p:spPr/>
+        <p:txBody>
+          <a:bodyPr/>
+          <a:lstStyle/>
+          <a:p>
+            <a:r>
+              <a:rPr lang="es-ES" dirty="0"/>
+              <a:t>¿Cuál es la dirección de subred?</a:t>
+            </a:r>
+            <a:endParaRPr lang="es-CO" dirty="0"/>
+          </a:p>
+        </p:txBody>
+      </p:sp>
+      <p:sp>
+        <p:nvSpPr>
+          <p:cNvPr id="4" name="Rectángulo 3"/>
+          <p:cNvSpPr/>
+          <p:nvPr/>
+        </p:nvSpPr>
+        <p:spPr>
+          <a:xfrm>
+            <a:off x="5313145" y="2685448"/>
+            <a:ext cx="760396" cy="760396"/>
+          </a:xfrm>
+          <a:prstGeom prst="rect">
+            <a:avLst/>
+          </a:prstGeom>
+        </p:spPr>
+        <p:style>
+          <a:lnRef idx="2">
+            <a:schemeClr val="accent1">
+              <a:shade val="50000"/>
+            </a:schemeClr>
+          </a:lnRef>
+          <a:fillRef idx="1">
+            <a:schemeClr val="accent1"/>
+          </a:fillRef>
+          <a:effectRef idx="0">
+            <a:schemeClr val="accent1"/>
+          </a:effectRef>
+          <a:fontRef idx="minor">
+            <a:schemeClr val="lt1"/>
+          </a:fontRef>
+        </p:style>
+        <p:txBody>
+          <a:bodyPr rtlCol="0" anchor="ctr"/>
+          <a:lstStyle/>
+          <a:p>
+            <a:pPr algn="ctr"/>
+            <a:r>
+              <a:rPr lang="es-ES" dirty="0"/>
+              <a:t>PC1</a:t>
+            </a:r>
+            <a:endParaRPr lang="es-CO" dirty="0"/>
+          </a:p>
+        </p:txBody>
+      </p:sp>
+      <p:sp>
+        <p:nvSpPr>
+          <p:cNvPr id="5" name="Rectángulo 4"/>
+          <p:cNvSpPr/>
+          <p:nvPr/>
+        </p:nvSpPr>
+        <p:spPr>
+          <a:xfrm>
+            <a:off x="5313145" y="3595034"/>
+            <a:ext cx="760396" cy="760396"/>
+          </a:xfrm>
+          <a:prstGeom prst="rect">
+            <a:avLst/>
+          </a:prstGeom>
+        </p:spPr>
+        <p:style>
+          <a:lnRef idx="2">
+            <a:schemeClr val="accent1">
+              <a:shade val="50000"/>
+            </a:schemeClr>
+          </a:lnRef>
+          <a:fillRef idx="1">
+            <a:schemeClr val="accent1"/>
+          </a:fillRef>
+          <a:effectRef idx="0">
+            <a:schemeClr val="accent1"/>
+          </a:effectRef>
+          <a:fontRef idx="minor">
+            <a:schemeClr val="lt1"/>
+          </a:fontRef>
+        </p:style>
+        <p:txBody>
+          <a:bodyPr rtlCol="0" anchor="ctr"/>
+          <a:lstStyle/>
+          <a:p>
+            <a:pPr algn="ctr"/>
+            <a:r>
+              <a:rPr lang="es-ES" dirty="0"/>
+              <a:t>PC3</a:t>
+            </a:r>
+            <a:endParaRPr lang="es-CO" dirty="0"/>
+          </a:p>
+        </p:txBody>
+      </p:sp>
+      <p:sp>
+        <p:nvSpPr>
+          <p:cNvPr id="6" name="Rectángulo 5"/>
+          <p:cNvSpPr/>
+          <p:nvPr/>
+        </p:nvSpPr>
+        <p:spPr>
+          <a:xfrm>
+            <a:off x="5313145" y="4533495"/>
+            <a:ext cx="760396" cy="760396"/>
+          </a:xfrm>
+          <a:prstGeom prst="rect">
+            <a:avLst/>
+          </a:prstGeom>
+        </p:spPr>
+        <p:style>
+          <a:lnRef idx="2">
+            <a:schemeClr val="accent1">
+              <a:shade val="50000"/>
+            </a:schemeClr>
+          </a:lnRef>
+          <a:fillRef idx="1">
+            <a:schemeClr val="accent1"/>
+          </a:fillRef>
+          <a:effectRef idx="0">
+            <a:schemeClr val="accent1"/>
+          </a:effectRef>
+          <a:fontRef idx="minor">
+            <a:schemeClr val="lt1"/>
+          </a:fontRef>
+        </p:style>
+        <p:txBody>
+          <a:bodyPr rtlCol="0" anchor="ctr"/>
+          <a:lstStyle/>
+          <a:p>
+            <a:pPr algn="ctr"/>
+            <a:r>
+              <a:rPr lang="es-ES" dirty="0"/>
+              <a:t>PC5</a:t>
+            </a:r>
+            <a:endParaRPr lang="es-CO" dirty="0"/>
+          </a:p>
+        </p:txBody>
+      </p:sp>
+      <p:sp>
+        <p:nvSpPr>
+          <p:cNvPr id="7" name="Rectángulo 6"/>
+          <p:cNvSpPr/>
+          <p:nvPr/>
+        </p:nvSpPr>
+        <p:spPr>
+          <a:xfrm>
+            <a:off x="6293318" y="2685448"/>
+            <a:ext cx="760396" cy="760396"/>
+          </a:xfrm>
+          <a:prstGeom prst="rect">
+            <a:avLst/>
+          </a:prstGeom>
+        </p:spPr>
+        <p:style>
+          <a:lnRef idx="2">
+            <a:schemeClr val="accent1">
+              <a:shade val="50000"/>
+            </a:schemeClr>
+          </a:lnRef>
+          <a:fillRef idx="1">
+            <a:schemeClr val="accent1"/>
+          </a:fillRef>
+          <a:effectRef idx="0">
+            <a:schemeClr val="accent1"/>
+          </a:effectRef>
+          <a:fontRef idx="minor">
+            <a:schemeClr val="lt1"/>
+          </a:fontRef>
+        </p:style>
+        <p:txBody>
+          <a:bodyPr rtlCol="0" anchor="ctr"/>
+          <a:lstStyle/>
+          <a:p>
+            <a:pPr algn="ctr"/>
+            <a:r>
+              <a:rPr lang="es-ES" dirty="0"/>
+              <a:t>PC2</a:t>
+            </a:r>
+            <a:endParaRPr lang="es-CO" dirty="0"/>
+          </a:p>
+        </p:txBody>
+      </p:sp>
+      <p:sp>
+        <p:nvSpPr>
+          <p:cNvPr id="8" name="Rectángulo 7"/>
+          <p:cNvSpPr/>
+          <p:nvPr/>
+        </p:nvSpPr>
+        <p:spPr>
+          <a:xfrm>
+            <a:off x="6293318" y="3595034"/>
+            <a:ext cx="760396" cy="760396"/>
+          </a:xfrm>
+          <a:prstGeom prst="rect">
+            <a:avLst/>
+          </a:prstGeom>
+        </p:spPr>
+        <p:style>
+          <a:lnRef idx="2">
+            <a:schemeClr val="accent1">
+              <a:shade val="50000"/>
+            </a:schemeClr>
+          </a:lnRef>
+          <a:fillRef idx="1">
+            <a:schemeClr val="accent1"/>
+          </a:fillRef>
+          <a:effectRef idx="0">
+            <a:schemeClr val="accent1"/>
+          </a:effectRef>
+          <a:fontRef idx="minor">
+            <a:schemeClr val="lt1"/>
+          </a:fontRef>
+        </p:style>
+        <p:txBody>
+          <a:bodyPr rtlCol="0" anchor="ctr"/>
+          <a:lstStyle/>
+          <a:p>
+            <a:pPr algn="ctr"/>
+            <a:r>
+              <a:rPr lang="es-ES" dirty="0"/>
+              <a:t>PC4</a:t>
+            </a:r>
+            <a:endParaRPr lang="es-CO" dirty="0"/>
+          </a:p>
+        </p:txBody>
+      </p:sp>
+      <p:sp>
+        <p:nvSpPr>
+          <p:cNvPr id="9" name="Rectángulo 8"/>
+          <p:cNvSpPr/>
+          <p:nvPr/>
+        </p:nvSpPr>
+        <p:spPr>
+          <a:xfrm>
+            <a:off x="6293318" y="4533495"/>
+            <a:ext cx="760396" cy="760396"/>
+          </a:xfrm>
+          <a:prstGeom prst="rect">
+            <a:avLst/>
+          </a:prstGeom>
+        </p:spPr>
+        <p:style>
+          <a:lnRef idx="2">
+            <a:schemeClr val="accent1">
+              <a:shade val="50000"/>
+            </a:schemeClr>
+          </a:lnRef>
+          <a:fillRef idx="1">
+            <a:schemeClr val="accent1"/>
+          </a:fillRef>
+          <a:effectRef idx="0">
+            <a:schemeClr val="accent1"/>
+          </a:effectRef>
+          <a:fontRef idx="minor">
+            <a:schemeClr val="lt1"/>
+          </a:fontRef>
+        </p:style>
+        <p:txBody>
+          <a:bodyPr rtlCol="0" anchor="ctr"/>
+          <a:lstStyle/>
+          <a:p>
+            <a:pPr algn="ctr"/>
+            <a:r>
+              <a:rPr lang="es-ES" dirty="0"/>
+              <a:t>PC6</a:t>
+            </a:r>
+            <a:endParaRPr lang="es-CO" dirty="0"/>
+          </a:p>
+        </p:txBody>
+      </p:sp>
+      <p:sp>
+        <p:nvSpPr>
+          <p:cNvPr id="10" name="CuadroTexto 9"/>
+          <p:cNvSpPr txBox="1"/>
+          <p:nvPr/>
+        </p:nvSpPr>
+        <p:spPr>
+          <a:xfrm>
+            <a:off x="7295949" y="2800952"/>
+            <a:ext cx="2213811" cy="375385"/>
+          </a:xfrm>
+          <a:prstGeom prst="rect">
+            <a:avLst/>
+          </a:prstGeom>
+          <a:noFill/>
+        </p:spPr>
+        <p:txBody>
+          <a:bodyPr wrap="square" rtlCol="0">
+            <a:spAutoFit/>
+          </a:bodyPr>
+          <a:lstStyle/>
+          <a:p>
+            <a:r>
+              <a:rPr lang="es-ES" dirty="0"/>
+              <a:t>192.168.204.56</a:t>
+            </a:r>
+            <a:endParaRPr lang="es-CO" dirty="0"/>
+          </a:p>
+        </p:txBody>
+      </p:sp>
+      <p:sp>
+        <p:nvSpPr>
+          <p:cNvPr id="11" name="CuadroTexto 10"/>
+          <p:cNvSpPr txBox="1"/>
+          <p:nvPr/>
+        </p:nvSpPr>
+        <p:spPr>
+          <a:xfrm>
+            <a:off x="7295949" y="3787539"/>
+            <a:ext cx="2213811" cy="375385"/>
+          </a:xfrm>
+          <a:prstGeom prst="rect">
+            <a:avLst/>
+          </a:prstGeom>
+          <a:noFill/>
+        </p:spPr>
+        <p:txBody>
+          <a:bodyPr wrap="square" rtlCol="0">
+            <a:spAutoFit/>
+          </a:bodyPr>
+          <a:lstStyle/>
+          <a:p>
+            <a:r>
+              <a:rPr lang="es-ES" dirty="0"/>
+              <a:t>192.168.207.18</a:t>
+            </a:r>
+            <a:endParaRPr lang="es-CO" dirty="0"/>
+          </a:p>
+        </p:txBody>
+      </p:sp>
+      <p:sp>
+        <p:nvSpPr>
+          <p:cNvPr id="12" name="CuadroTexto 11"/>
+          <p:cNvSpPr txBox="1"/>
+          <p:nvPr/>
+        </p:nvSpPr>
+        <p:spPr>
+          <a:xfrm>
+            <a:off x="7295949" y="4726000"/>
+            <a:ext cx="2213811" cy="375385"/>
+          </a:xfrm>
+          <a:prstGeom prst="rect">
+            <a:avLst/>
+          </a:prstGeom>
+          <a:noFill/>
+        </p:spPr>
+        <p:txBody>
+          <a:bodyPr wrap="square" rtlCol="0">
+            <a:spAutoFit/>
+          </a:bodyPr>
+          <a:lstStyle/>
+          <a:p>
+            <a:r>
+              <a:rPr lang="es-ES" dirty="0"/>
+              <a:t>192.168.205.15</a:t>
+            </a:r>
+            <a:endParaRPr lang="es-CO" dirty="0"/>
+          </a:p>
+        </p:txBody>
+      </p:sp>
+      <p:sp>
+        <p:nvSpPr>
+          <p:cNvPr id="13" name="CuadroTexto 12"/>
+          <p:cNvSpPr txBox="1"/>
+          <p:nvPr/>
+        </p:nvSpPr>
+        <p:spPr>
+          <a:xfrm>
+            <a:off x="2876349" y="2800952"/>
+            <a:ext cx="2213811" cy="375385"/>
+          </a:xfrm>
+          <a:prstGeom prst="rect">
+            <a:avLst/>
+          </a:prstGeom>
+          <a:noFill/>
+        </p:spPr>
+        <p:txBody>
+          <a:bodyPr wrap="square" rtlCol="0">
+            <a:spAutoFit/>
+          </a:bodyPr>
+          <a:lstStyle/>
+          <a:p>
+            <a:pPr algn="r"/>
+            <a:r>
+              <a:rPr lang="es-ES" dirty="0"/>
+              <a:t>192.168.223.53</a:t>
+            </a:r>
+            <a:endParaRPr lang="es-CO" dirty="0"/>
+          </a:p>
+        </p:txBody>
+      </p:sp>
+      <p:sp>
+        <p:nvSpPr>
+          <p:cNvPr id="14" name="CuadroTexto 13"/>
+          <p:cNvSpPr txBox="1"/>
+          <p:nvPr/>
+        </p:nvSpPr>
+        <p:spPr>
+          <a:xfrm>
+            <a:off x="2876349" y="3787539"/>
+            <a:ext cx="2213811" cy="375385"/>
+          </a:xfrm>
+          <a:prstGeom prst="rect">
+            <a:avLst/>
+          </a:prstGeom>
+          <a:noFill/>
+        </p:spPr>
+        <p:txBody>
+          <a:bodyPr wrap="square" rtlCol="0">
+            <a:spAutoFit/>
+          </a:bodyPr>
+          <a:lstStyle/>
+          <a:p>
+            <a:pPr algn="r"/>
+            <a:r>
+              <a:rPr lang="es-ES" dirty="0"/>
+              <a:t>192.168.213.25</a:t>
+            </a:r>
+            <a:endParaRPr lang="es-CO" dirty="0"/>
+          </a:p>
+        </p:txBody>
+      </p:sp>
+      <p:sp>
+        <p:nvSpPr>
+          <p:cNvPr id="15" name="CuadroTexto 14"/>
+          <p:cNvSpPr txBox="1"/>
+          <p:nvPr/>
+        </p:nvSpPr>
+        <p:spPr>
+          <a:xfrm>
+            <a:off x="2876349" y="4726000"/>
+            <a:ext cx="2213811" cy="375385"/>
+          </a:xfrm>
+          <a:prstGeom prst="rect">
+            <a:avLst/>
+          </a:prstGeom>
+          <a:noFill/>
+        </p:spPr>
+        <p:txBody>
+          <a:bodyPr wrap="square" rtlCol="0">
+            <a:spAutoFit/>
+          </a:bodyPr>
+          <a:lstStyle/>
+          <a:p>
+            <a:pPr algn="r"/>
+            <a:r>
+              <a:rPr lang="es-ES" dirty="0"/>
+              <a:t>192.168.220.115</a:t>
+            </a:r>
+            <a:endParaRPr lang="es-CO" dirty="0"/>
+          </a:p>
+        </p:txBody>
+      </p:sp>
+      <p:sp>
+        <p:nvSpPr>
+          <p:cNvPr id="16" name="CuadroTexto 15"/>
+          <p:cNvSpPr txBox="1"/>
+          <p:nvPr/>
+        </p:nvSpPr>
+        <p:spPr>
+          <a:xfrm>
+            <a:off x="5282665" y="1830487"/>
+            <a:ext cx="2213811" cy="646331"/>
+          </a:xfrm>
+          <a:prstGeom prst="rect">
+            <a:avLst/>
+          </a:prstGeom>
+          <a:noFill/>
+        </p:spPr>
+        <p:txBody>
+          <a:bodyPr wrap="square" rtlCol="0">
+            <a:spAutoFit/>
+          </a:bodyPr>
+          <a:lstStyle/>
+          <a:p>
+            <a:r>
+              <a:rPr lang="es-ES" dirty="0"/>
+              <a:t>Máscara: 255.255.224.0</a:t>
+            </a:r>
+            <a:endParaRPr lang="es-CO" dirty="0"/>
+          </a:p>
+        </p:txBody>
+      </p:sp>
+      <p:sp>
+        <p:nvSpPr>
+          <p:cNvPr id="17" name="CuadroTexto 16"/>
+          <p:cNvSpPr txBox="1"/>
+          <p:nvPr/>
+        </p:nvSpPr>
+        <p:spPr>
+          <a:xfrm>
+            <a:off x="4940968" y="5533801"/>
+            <a:ext cx="2704700" cy="646331"/>
+          </a:xfrm>
+          <a:prstGeom prst="rect">
+            <a:avLst/>
+          </a:prstGeom>
+          <a:noFill/>
+        </p:spPr>
+        <p:txBody>
+          <a:bodyPr wrap="square" rtlCol="0">
+            <a:spAutoFit/>
+          </a:bodyPr>
+          <a:lstStyle/>
+          <a:p>
+            <a:r>
+              <a:rPr lang="es-ES" dirty="0"/>
+              <a:t>La dirección de subred es</a:t>
+            </a:r>
+          </a:p>
+          <a:p>
+            <a:r>
+              <a:rPr lang="es-ES" dirty="0"/>
+              <a:t>192.168.192.0 </a:t>
+            </a:r>
+            <a:endParaRPr lang="es-CO" dirty="0"/>
+          </a:p>
+        </p:txBody>
+      </p:sp>
+    </p:spTree>
+    <p:extLst>
+      <p:ext uri="{BB962C8B-B14F-4D97-AF65-F5344CB8AC3E}">
+        <p14:creationId xmlns:p14="http://schemas.microsoft.com/office/powerpoint/2010/main" val="204944453"/>
+      </p:ext>
+    </p:extLst>
+  </p:cSld>
+  <p:clrMapOvr>
+    <a:masterClrMapping/>
+  </p:clrMapOvr>
+</p:sld>
+</file>
+
+<file path=ppt/slides/slide38.xml><?xml version="1.0" encoding="utf-8"?>
+<p:sld xmlns:a="http://schemas.openxmlformats.org/drawingml/2006/main" xmlns:r="http://schemas.openxmlformats.org/officeDocument/2006/relationships" xmlns:p="http://schemas.openxmlformats.org/presentationml/2006/main">
+  <p:cSld>
+    <p:spTree>
+      <p:nvGrpSpPr>
+        <p:cNvPr id="1" name=""/>
+        <p:cNvGrpSpPr/>
+        <p:nvPr/>
+      </p:nvGrpSpPr>
+      <p:grpSpPr>
+        <a:xfrm>
+          <a:off x="0" y="0"/>
+          <a:ext cx="0" cy="0"/>
+          <a:chOff x="0" y="0"/>
+          <a:chExt cx="0" cy="0"/>
+        </a:xfrm>
+      </p:grpSpPr>
+      <p:sp>
+        <p:nvSpPr>
+          <p:cNvPr id="2" name="Título 1"/>
+          <p:cNvSpPr>
+            <a:spLocks noGrp="1"/>
+          </p:cNvSpPr>
+          <p:nvPr>
+            <p:ph type="title"/>
+          </p:nvPr>
+        </p:nvSpPr>
+        <p:spPr/>
+        <p:txBody>
+          <a:bodyPr/>
+          <a:lstStyle/>
+          <a:p>
+            <a:r>
+              <a:rPr lang="es-ES" dirty="0"/>
               <a:t>¿Cuál de los PC pertenece a la subred?</a:t>
             </a:r>
             <a:endParaRPr lang="es-CO" dirty="0"/>
@@ -30209,7 +32986,7 @@
 </p:sld>
 </file>
 
-<file path=ppt/slides/slide35.xml><?xml version="1.0" encoding="utf-8"?>
+<file path=ppt/slides/slide39.xml><?xml version="1.0" encoding="utf-8"?>
 <p:sld xmlns:a="http://schemas.openxmlformats.org/drawingml/2006/main" xmlns:r="http://schemas.openxmlformats.org/officeDocument/2006/relationships" xmlns:p="http://schemas.openxmlformats.org/presentationml/2006/main">
   <p:cSld>
     <p:spTree>
